--- a/slides/geog4300_f19_L01-2 Data Science in Geography.pptx
+++ b/slides/geog4300_f19_L01-2 Data Science in Geography.pptx
@@ -5,32 +5,31 @@
     <p:sldMasterId id="2147483659" r:id="rId1"/>
   </p:sldMasterIdLst>
   <p:notesMasterIdLst>
-    <p:notesMasterId r:id="rId25"/>
+    <p:notesMasterId r:id="rId24"/>
   </p:notesMasterIdLst>
   <p:sldIdLst>
     <p:sldId id="256" r:id="rId2"/>
-    <p:sldId id="257" r:id="rId3"/>
-    <p:sldId id="258" r:id="rId4"/>
-    <p:sldId id="259" r:id="rId5"/>
-    <p:sldId id="260" r:id="rId6"/>
-    <p:sldId id="261" r:id="rId7"/>
-    <p:sldId id="262" r:id="rId8"/>
-    <p:sldId id="263" r:id="rId9"/>
-    <p:sldId id="264" r:id="rId10"/>
-    <p:sldId id="265" r:id="rId11"/>
-    <p:sldId id="277" r:id="rId12"/>
-    <p:sldId id="266" r:id="rId13"/>
-    <p:sldId id="267" r:id="rId14"/>
-    <p:sldId id="270" r:id="rId15"/>
-    <p:sldId id="271" r:id="rId16"/>
-    <p:sldId id="272" r:id="rId17"/>
-    <p:sldId id="273" r:id="rId18"/>
-    <p:sldId id="274" r:id="rId19"/>
-    <p:sldId id="276" r:id="rId20"/>
-    <p:sldId id="280" r:id="rId21"/>
-    <p:sldId id="282" r:id="rId22"/>
-    <p:sldId id="281" r:id="rId23"/>
-    <p:sldId id="278" r:id="rId24"/>
+    <p:sldId id="258" r:id="rId3"/>
+    <p:sldId id="259" r:id="rId4"/>
+    <p:sldId id="260" r:id="rId5"/>
+    <p:sldId id="261" r:id="rId6"/>
+    <p:sldId id="262" r:id="rId7"/>
+    <p:sldId id="263" r:id="rId8"/>
+    <p:sldId id="264" r:id="rId9"/>
+    <p:sldId id="265" r:id="rId10"/>
+    <p:sldId id="277" r:id="rId11"/>
+    <p:sldId id="266" r:id="rId12"/>
+    <p:sldId id="267" r:id="rId13"/>
+    <p:sldId id="270" r:id="rId14"/>
+    <p:sldId id="271" r:id="rId15"/>
+    <p:sldId id="272" r:id="rId16"/>
+    <p:sldId id="273" r:id="rId17"/>
+    <p:sldId id="274" r:id="rId18"/>
+    <p:sldId id="276" r:id="rId19"/>
+    <p:sldId id="280" r:id="rId20"/>
+    <p:sldId id="282" r:id="rId21"/>
+    <p:sldId id="281" r:id="rId22"/>
+    <p:sldId id="278" r:id="rId23"/>
   </p:sldIdLst>
   <p:sldSz cx="9144000" cy="6858000" type="screen4x3"/>
   <p:notesSz cx="6858000" cy="9144000"/>
@@ -1549,232 +1548,6 @@
         </p:txBody>
       </p:sp>
     </p:spTree>
-  </p:cSld>
-  <p:clrMapOvr>
-    <a:masterClrMapping/>
-  </p:clrMapOvr>
-</p:notes>
-</file>
-
-<file path=ppt/notesSlides/notesSlide11.xml><?xml version="1.0" encoding="utf-8"?>
-<p:notes xmlns:a="http://schemas.openxmlformats.org/drawingml/2006/main" xmlns:r="http://schemas.openxmlformats.org/officeDocument/2006/relationships" xmlns:p="http://schemas.openxmlformats.org/presentationml/2006/main" showMasterSp="0" showMasterPhAnim="0">
-  <p:cSld>
-    <p:spTree>
-      <p:nvGrpSpPr>
-        <p:cNvPr id="1" name="Shape 156"/>
-        <p:cNvGrpSpPr/>
-        <p:nvPr/>
-      </p:nvGrpSpPr>
-      <p:grpSpPr>
-        <a:xfrm>
-          <a:off x="0" y="0"/>
-          <a:ext cx="0" cy="0"/>
-          <a:chOff x="0" y="0"/>
-          <a:chExt cx="0" cy="0"/>
-        </a:xfrm>
-      </p:grpSpPr>
-      <p:sp>
-        <p:nvSpPr>
-          <p:cNvPr id="157" name="Shape 157"/>
-          <p:cNvSpPr>
-            <a:spLocks noGrp="1" noRot="1" noChangeAspect="1"/>
-          </p:cNvSpPr>
-          <p:nvPr>
-            <p:ph type="sldImg" idx="2"/>
-          </p:nvPr>
-        </p:nvSpPr>
-        <p:spPr>
-          <a:xfrm>
-            <a:off x="1143000" y="685800"/>
-            <a:ext cx="4572000" cy="3429000"/>
-          </a:xfrm>
-          <a:custGeom>
-            <a:avLst/>
-            <a:gdLst/>
-            <a:ahLst/>
-            <a:cxnLst/>
-            <a:rect l="0" t="0" r="0" b="0"/>
-            <a:pathLst>
-              <a:path w="120000" h="120000" extrusionOk="0">
-                <a:moveTo>
-                  <a:pt x="0" y="0"/>
-                </a:moveTo>
-                <a:lnTo>
-                  <a:pt x="120000" y="0"/>
-                </a:lnTo>
-                <a:lnTo>
-                  <a:pt x="120000" y="120000"/>
-                </a:lnTo>
-                <a:lnTo>
-                  <a:pt x="0" y="120000"/>
-                </a:lnTo>
-                <a:close/>
-              </a:path>
-            </a:pathLst>
-          </a:custGeom>
-          <a:noFill/>
-          <a:ln w="12700" cap="flat" cmpd="sng">
-            <a:solidFill>
-              <a:srgbClr val="000000"/>
-            </a:solidFill>
-            <a:prstDash val="solid"/>
-            <a:round/>
-            <a:headEnd type="none" w="med" len="med"/>
-            <a:tailEnd type="none" w="med" len="med"/>
-          </a:ln>
-        </p:spPr>
-      </p:sp>
-      <p:sp>
-        <p:nvSpPr>
-          <p:cNvPr id="158" name="Shape 158"/>
-          <p:cNvSpPr txBox="1">
-            <a:spLocks noGrp="1"/>
-          </p:cNvSpPr>
-          <p:nvPr>
-            <p:ph type="body" idx="1"/>
-          </p:nvPr>
-        </p:nvSpPr>
-        <p:spPr>
-          <a:xfrm>
-            <a:off x="685800" y="4343400"/>
-            <a:ext cx="5486399" cy="4114800"/>
-          </a:xfrm>
-          <a:prstGeom prst="rect">
-            <a:avLst/>
-          </a:prstGeom>
-          <a:noFill/>
-          <a:ln>
-            <a:noFill/>
-          </a:ln>
-        </p:spPr>
-        <p:txBody>
-          <a:bodyPr lIns="91425" tIns="45700" rIns="91425" bIns="45700" anchor="t" anchorCtr="0">
-            <a:noAutofit/>
-          </a:bodyPr>
-          <a:lstStyle/>
-          <a:p>
-            <a:pPr marL="0" marR="0" lvl="0" indent="0" algn="l" rtl="0">
-              <a:spcBef>
-                <a:spcPts val="0"/>
-              </a:spcBef>
-              <a:buSzPct val="25000"/>
-              <a:buNone/>
-            </a:pPr>
-            <a:r>
-              <a:rPr lang="en-US" sz="1200" b="0" i="0" u="none" strike="noStrike" cap="none">
-                <a:solidFill>
-                  <a:schemeClr val="dk1"/>
-                </a:solidFill>
-                <a:latin typeface="Calibri"/>
-                <a:ea typeface="Calibri"/>
-                <a:cs typeface="Calibri"/>
-                <a:sym typeface="Calibri"/>
-              </a:rPr>
-              <a:t>Difference between descriptive and inferential statistics.</a:t>
-            </a:r>
-          </a:p>
-          <a:p>
-            <a:pPr marL="0" marR="0" lvl="0" indent="0" algn="l" rtl="0">
-              <a:spcBef>
-                <a:spcPts val="0"/>
-              </a:spcBef>
-              <a:buSzPct val="25000"/>
-              <a:buNone/>
-            </a:pPr>
-            <a:endParaRPr sz="1200" b="0" i="0" u="none" strike="noStrike" cap="none">
-              <a:solidFill>
-                <a:schemeClr val="dk1"/>
-              </a:solidFill>
-              <a:latin typeface="Calibri"/>
-              <a:ea typeface="Calibri"/>
-              <a:cs typeface="Calibri"/>
-              <a:sym typeface="Calibri"/>
-            </a:endParaRPr>
-          </a:p>
-          <a:p>
-            <a:pPr marL="0" marR="0" lvl="0" indent="0" algn="l" rtl="0">
-              <a:spcBef>
-                <a:spcPts val="0"/>
-              </a:spcBef>
-              <a:buSzPct val="25000"/>
-              <a:buNone/>
-            </a:pPr>
-            <a:r>
-              <a:rPr lang="en-US" sz="1200" b="0" i="0" u="none" strike="noStrike" cap="none">
-                <a:solidFill>
-                  <a:schemeClr val="dk1"/>
-                </a:solidFill>
-                <a:latin typeface="Calibri"/>
-                <a:ea typeface="Calibri"/>
-                <a:cs typeface="Calibri"/>
-                <a:sym typeface="Calibri"/>
-              </a:rPr>
-              <a:t>Example: rates of cancer in all state counties. </a:t>
-            </a:r>
-          </a:p>
-        </p:txBody>
-      </p:sp>
-      <p:sp>
-        <p:nvSpPr>
-          <p:cNvPr id="159" name="Shape 159"/>
-          <p:cNvSpPr txBox="1">
-            <a:spLocks noGrp="1"/>
-          </p:cNvSpPr>
-          <p:nvPr>
-            <p:ph type="sldNum" idx="12"/>
-          </p:nvPr>
-        </p:nvSpPr>
-        <p:spPr>
-          <a:xfrm>
-            <a:off x="3884612" y="8685213"/>
-            <a:ext cx="2971799" cy="457200"/>
-          </a:xfrm>
-          <a:prstGeom prst="rect">
-            <a:avLst/>
-          </a:prstGeom>
-          <a:noFill/>
-          <a:ln>
-            <a:noFill/>
-          </a:ln>
-        </p:spPr>
-        <p:txBody>
-          <a:bodyPr lIns="91425" tIns="45700" rIns="91425" bIns="45700" anchor="b" anchorCtr="0">
-            <a:noAutofit/>
-          </a:bodyPr>
-          <a:lstStyle/>
-          <a:p>
-            <a:pPr marL="0" marR="0" lvl="0" indent="0" algn="r" rtl="0">
-              <a:spcBef>
-                <a:spcPts val="0"/>
-              </a:spcBef>
-              <a:buSzPct val="25000"/>
-              <a:buNone/>
-            </a:pPr>
-            <a:fld id="{00000000-1234-1234-1234-123412341234}" type="slidenum">
-              <a:rPr lang="en-US" sz="1200">
-                <a:solidFill>
-                  <a:schemeClr val="dk1"/>
-                </a:solidFill>
-                <a:latin typeface="Calibri"/>
-                <a:ea typeface="Calibri"/>
-                <a:cs typeface="Calibri"/>
-                <a:sym typeface="Calibri"/>
-              </a:rPr>
-              <a:t>11</a:t>
-            </a:fld>
-            <a:endParaRPr lang="en-US" sz="1200">
-              <a:solidFill>
-                <a:schemeClr val="dk1"/>
-              </a:solidFill>
-              <a:latin typeface="Calibri"/>
-              <a:ea typeface="Calibri"/>
-              <a:cs typeface="Calibri"/>
-              <a:sym typeface="Calibri"/>
-            </a:endParaRPr>
-          </a:p>
-        </p:txBody>
-      </p:sp>
-    </p:spTree>
     <p:extLst>
       <p:ext uri="{BB962C8B-B14F-4D97-AF65-F5344CB8AC3E}">
         <p14:creationId xmlns:p14="http://schemas.microsoft.com/office/powerpoint/2010/main" val="3041326795"/>
@@ -1787,7 +1560,7 @@
 </p:notes>
 </file>
 
-<file path=ppt/notesSlides/notesSlide12.xml><?xml version="1.0" encoding="utf-8"?>
+<file path=ppt/notesSlides/notesSlide11.xml><?xml version="1.0" encoding="utf-8"?>
 <p:notes xmlns:a="http://schemas.openxmlformats.org/drawingml/2006/main" xmlns:r="http://schemas.openxmlformats.org/officeDocument/2006/relationships" xmlns:p="http://schemas.openxmlformats.org/presentationml/2006/main" showMasterSp="0" showMasterPhAnim="0">
   <p:cSld>
     <p:spTree>
@@ -1991,7 +1764,7 @@
                 <a:cs typeface="Calibri"/>
                 <a:sym typeface="Calibri"/>
               </a:rPr>
-              <a:t>12</a:t>
+              <a:t>11</a:t>
             </a:fld>
             <a:endParaRPr lang="en-US" sz="1200">
               <a:solidFill>
@@ -2013,7 +1786,7 @@
 </p:notes>
 </file>
 
-<file path=ppt/notesSlides/notesSlide13.xml><?xml version="1.0" encoding="utf-8"?>
+<file path=ppt/notesSlides/notesSlide12.xml><?xml version="1.0" encoding="utf-8"?>
 <p:notes xmlns:a="http://schemas.openxmlformats.org/drawingml/2006/main" xmlns:r="http://schemas.openxmlformats.org/officeDocument/2006/relationships" xmlns:p="http://schemas.openxmlformats.org/presentationml/2006/main" showMasterSp="0" showMasterPhAnim="0">
   <p:cSld>
     <p:spTree>
@@ -2349,7 +2122,7 @@
                 <a:cs typeface="Calibri"/>
                 <a:sym typeface="Calibri"/>
               </a:rPr>
-              <a:t>13</a:t>
+              <a:t>12</a:t>
             </a:fld>
             <a:endParaRPr lang="en-US" sz="1200">
               <a:solidFill>
@@ -2371,7 +2144,7 @@
 </p:notes>
 </file>
 
-<file path=ppt/notesSlides/notesSlide14.xml><?xml version="1.0" encoding="utf-8"?>
+<file path=ppt/notesSlides/notesSlide13.xml><?xml version="1.0" encoding="utf-8"?>
 <p:notes xmlns:a="http://schemas.openxmlformats.org/drawingml/2006/main" xmlns:r="http://schemas.openxmlformats.org/officeDocument/2006/relationships" xmlns:p="http://schemas.openxmlformats.org/presentationml/2006/main" showMasterSp="0" showMasterPhAnim="0">
   <p:cSld>
     <p:spTree>
@@ -2533,7 +2306,7 @@
                 <a:cs typeface="Calibri"/>
                 <a:sym typeface="Calibri"/>
               </a:rPr>
-              <a:t>14</a:t>
+              <a:t>13</a:t>
             </a:fld>
             <a:endParaRPr lang="en-US" sz="1200">
               <a:solidFill>
@@ -2555,7 +2328,7 @@
 </p:notes>
 </file>
 
-<file path=ppt/notesSlides/notesSlide15.xml><?xml version="1.0" encoding="utf-8"?>
+<file path=ppt/notesSlides/notesSlide14.xml><?xml version="1.0" encoding="utf-8"?>
 <p:notes xmlns:a="http://schemas.openxmlformats.org/drawingml/2006/main" xmlns:r="http://schemas.openxmlformats.org/officeDocument/2006/relationships" xmlns:p="http://schemas.openxmlformats.org/presentationml/2006/main" showMasterSp="0" showMasterPhAnim="0">
   <p:cSld>
     <p:spTree>
@@ -2912,7 +2685,7 @@
                 <a:cs typeface="Calibri"/>
                 <a:sym typeface="Calibri"/>
               </a:rPr>
-              <a:t>15</a:t>
+              <a:t>14</a:t>
             </a:fld>
             <a:endParaRPr lang="en-US" sz="1200">
               <a:solidFill>
@@ -2934,7 +2707,7 @@
 </p:notes>
 </file>
 
-<file path=ppt/notesSlides/notesSlide16.xml><?xml version="1.0" encoding="utf-8"?>
+<file path=ppt/notesSlides/notesSlide15.xml><?xml version="1.0" encoding="utf-8"?>
 <p:notes xmlns:a="http://schemas.openxmlformats.org/drawingml/2006/main" xmlns:r="http://schemas.openxmlformats.org/officeDocument/2006/relationships" xmlns:p="http://schemas.openxmlformats.org/presentationml/2006/main" showMasterSp="0" showMasterPhAnim="0">
   <p:cSld>
     <p:spTree>
@@ -3192,7 +2965,7 @@
                 <a:cs typeface="Calibri"/>
                 <a:sym typeface="Calibri"/>
               </a:rPr>
-              <a:t>16</a:t>
+              <a:t>15</a:t>
             </a:fld>
             <a:endParaRPr lang="en-US" sz="1200">
               <a:solidFill>
@@ -3214,7 +2987,7 @@
 </p:notes>
 </file>
 
-<file path=ppt/notesSlides/notesSlide17.xml><?xml version="1.0" encoding="utf-8"?>
+<file path=ppt/notesSlides/notesSlide16.xml><?xml version="1.0" encoding="utf-8"?>
 <p:notes xmlns:a="http://schemas.openxmlformats.org/drawingml/2006/main" xmlns:r="http://schemas.openxmlformats.org/officeDocument/2006/relationships" xmlns:p="http://schemas.openxmlformats.org/presentationml/2006/main" showMasterSp="0" showMasterPhAnim="0">
   <p:cSld>
     <p:spTree>
@@ -3472,7 +3245,7 @@
                 <a:cs typeface="Calibri"/>
                 <a:sym typeface="Calibri"/>
               </a:rPr>
-              <a:t>17</a:t>
+              <a:t>16</a:t>
             </a:fld>
             <a:endParaRPr lang="en-US" sz="1200">
               <a:solidFill>
@@ -3494,7 +3267,7 @@
 </p:notes>
 </file>
 
-<file path=ppt/notesSlides/notesSlide18.xml><?xml version="1.0" encoding="utf-8"?>
+<file path=ppt/notesSlides/notesSlide17.xml><?xml version="1.0" encoding="utf-8"?>
 <p:notes xmlns:a="http://schemas.openxmlformats.org/drawingml/2006/main" xmlns:r="http://schemas.openxmlformats.org/officeDocument/2006/relationships" xmlns:p="http://schemas.openxmlformats.org/presentationml/2006/main" showMasterSp="0" showMasterPhAnim="0">
   <p:cSld>
     <p:spTree>
@@ -3709,6 +3482,352 @@
       <p:sp>
         <p:nvSpPr>
           <p:cNvPr id="231" name="Shape 231"/>
+          <p:cNvSpPr txBox="1">
+            <a:spLocks noGrp="1"/>
+          </p:cNvSpPr>
+          <p:nvPr>
+            <p:ph type="sldNum" idx="12"/>
+          </p:nvPr>
+        </p:nvSpPr>
+        <p:spPr>
+          <a:xfrm>
+            <a:off x="3884612" y="8685213"/>
+            <a:ext cx="2971799" cy="457200"/>
+          </a:xfrm>
+          <a:prstGeom prst="rect">
+            <a:avLst/>
+          </a:prstGeom>
+          <a:noFill/>
+          <a:ln>
+            <a:noFill/>
+          </a:ln>
+        </p:spPr>
+        <p:txBody>
+          <a:bodyPr lIns="91425" tIns="45700" rIns="91425" bIns="45700" anchor="b" anchorCtr="0">
+            <a:noAutofit/>
+          </a:bodyPr>
+          <a:lstStyle/>
+          <a:p>
+            <a:pPr marL="0" marR="0" lvl="0" indent="0" algn="r" rtl="0">
+              <a:spcBef>
+                <a:spcPts val="0"/>
+              </a:spcBef>
+              <a:buSzPct val="25000"/>
+              <a:buNone/>
+            </a:pPr>
+            <a:fld id="{00000000-1234-1234-1234-123412341234}" type="slidenum">
+              <a:rPr lang="en-US" sz="1200">
+                <a:solidFill>
+                  <a:schemeClr val="dk1"/>
+                </a:solidFill>
+                <a:latin typeface="Calibri"/>
+                <a:ea typeface="Calibri"/>
+                <a:cs typeface="Calibri"/>
+                <a:sym typeface="Calibri"/>
+              </a:rPr>
+              <a:t>17</a:t>
+            </a:fld>
+            <a:endParaRPr lang="en-US" sz="1200">
+              <a:solidFill>
+                <a:schemeClr val="dk1"/>
+              </a:solidFill>
+              <a:latin typeface="Calibri"/>
+              <a:ea typeface="Calibri"/>
+              <a:cs typeface="Calibri"/>
+              <a:sym typeface="Calibri"/>
+            </a:endParaRPr>
+          </a:p>
+        </p:txBody>
+      </p:sp>
+    </p:spTree>
+  </p:cSld>
+  <p:clrMapOvr>
+    <a:masterClrMapping/>
+  </p:clrMapOvr>
+</p:notes>
+</file>
+
+<file path=ppt/notesSlides/notesSlide18.xml><?xml version="1.0" encoding="utf-8"?>
+<p:notes xmlns:a="http://schemas.openxmlformats.org/drawingml/2006/main" xmlns:r="http://schemas.openxmlformats.org/officeDocument/2006/relationships" xmlns:p="http://schemas.openxmlformats.org/presentationml/2006/main" showMasterSp="0" showMasterPhAnim="0">
+  <p:cSld>
+    <p:spTree>
+      <p:nvGrpSpPr>
+        <p:cNvPr id="1" name="Shape 247"/>
+        <p:cNvGrpSpPr/>
+        <p:nvPr/>
+      </p:nvGrpSpPr>
+      <p:grpSpPr>
+        <a:xfrm>
+          <a:off x="0" y="0"/>
+          <a:ext cx="0" cy="0"/>
+          <a:chOff x="0" y="0"/>
+          <a:chExt cx="0" cy="0"/>
+        </a:xfrm>
+      </p:grpSpPr>
+      <p:sp>
+        <p:nvSpPr>
+          <p:cNvPr id="248" name="Shape 248"/>
+          <p:cNvSpPr>
+            <a:spLocks noGrp="1" noRot="1" noChangeAspect="1"/>
+          </p:cNvSpPr>
+          <p:nvPr>
+            <p:ph type="sldImg" idx="2"/>
+          </p:nvPr>
+        </p:nvSpPr>
+        <p:spPr>
+          <a:xfrm>
+            <a:off x="1143000" y="685800"/>
+            <a:ext cx="4572000" cy="3429000"/>
+          </a:xfrm>
+          <a:custGeom>
+            <a:avLst/>
+            <a:gdLst/>
+            <a:ahLst/>
+            <a:cxnLst/>
+            <a:rect l="0" t="0" r="0" b="0"/>
+            <a:pathLst>
+              <a:path w="120000" h="120000" extrusionOk="0">
+                <a:moveTo>
+                  <a:pt x="0" y="0"/>
+                </a:moveTo>
+                <a:lnTo>
+                  <a:pt x="120000" y="0"/>
+                </a:lnTo>
+                <a:lnTo>
+                  <a:pt x="120000" y="120000"/>
+                </a:lnTo>
+                <a:lnTo>
+                  <a:pt x="0" y="120000"/>
+                </a:lnTo>
+                <a:close/>
+              </a:path>
+            </a:pathLst>
+          </a:custGeom>
+          <a:noFill/>
+          <a:ln w="12700" cap="flat" cmpd="sng">
+            <a:solidFill>
+              <a:srgbClr val="000000"/>
+            </a:solidFill>
+            <a:prstDash val="solid"/>
+            <a:round/>
+            <a:headEnd type="none" w="med" len="med"/>
+            <a:tailEnd type="none" w="med" len="med"/>
+          </a:ln>
+        </p:spPr>
+      </p:sp>
+      <p:sp>
+        <p:nvSpPr>
+          <p:cNvPr id="249" name="Shape 249"/>
+          <p:cNvSpPr txBox="1">
+            <a:spLocks noGrp="1"/>
+          </p:cNvSpPr>
+          <p:nvPr>
+            <p:ph type="body" idx="1"/>
+          </p:nvPr>
+        </p:nvSpPr>
+        <p:spPr>
+          <a:xfrm>
+            <a:off x="685800" y="4343400"/>
+            <a:ext cx="5486399" cy="4114800"/>
+          </a:xfrm>
+          <a:prstGeom prst="rect">
+            <a:avLst/>
+          </a:prstGeom>
+          <a:noFill/>
+          <a:ln>
+            <a:noFill/>
+          </a:ln>
+        </p:spPr>
+        <p:txBody>
+          <a:bodyPr lIns="91425" tIns="45700" rIns="91425" bIns="45700" anchor="t" anchorCtr="0">
+            <a:noAutofit/>
+          </a:bodyPr>
+          <a:lstStyle/>
+          <a:p>
+            <a:pPr marL="0" marR="0" lvl="0" indent="0" algn="l" rtl="0">
+              <a:spcBef>
+                <a:spcPts val="0"/>
+              </a:spcBef>
+              <a:buSzPct val="25000"/>
+              <a:buNone/>
+            </a:pPr>
+            <a:r>
+              <a:rPr lang="en-US" sz="1200" b="0" i="0" u="none" strike="noStrike" cap="none">
+                <a:solidFill>
+                  <a:schemeClr val="dk1"/>
+                </a:solidFill>
+                <a:latin typeface="Calibri"/>
+                <a:ea typeface="Calibri"/>
+                <a:cs typeface="Calibri"/>
+                <a:sym typeface="Calibri"/>
+              </a:rPr>
+              <a:t>Raster data</a:t>
+            </a:r>
+          </a:p>
+          <a:p>
+            <a:pPr marL="0" marR="0" lvl="0" indent="0" algn="l" rtl="0">
+              <a:spcBef>
+                <a:spcPts val="0"/>
+              </a:spcBef>
+              <a:buSzPct val="25000"/>
+              <a:buNone/>
+            </a:pPr>
+            <a:endParaRPr sz="1200" b="0" i="0" u="none" strike="noStrike" cap="none">
+              <a:solidFill>
+                <a:schemeClr val="dk1"/>
+              </a:solidFill>
+              <a:latin typeface="Calibri"/>
+              <a:ea typeface="Calibri"/>
+              <a:cs typeface="Calibri"/>
+              <a:sym typeface="Calibri"/>
+            </a:endParaRPr>
+          </a:p>
+          <a:p>
+            <a:pPr marL="0" marR="0" lvl="0" indent="0" algn="l" rtl="0">
+              <a:spcBef>
+                <a:spcPts val="0"/>
+              </a:spcBef>
+              <a:buSzPct val="25000"/>
+              <a:buNone/>
+            </a:pPr>
+            <a:r>
+              <a:rPr lang="en-US" sz="1200" b="0" i="0" u="none" strike="noStrike" cap="none">
+                <a:solidFill>
+                  <a:schemeClr val="dk1"/>
+                </a:solidFill>
+                <a:latin typeface="Calibri"/>
+                <a:ea typeface="Calibri"/>
+                <a:cs typeface="Calibri"/>
+                <a:sym typeface="Calibri"/>
+              </a:rPr>
+              <a:t>Comprised of raster cells—all the same size and all with a value</a:t>
+            </a:r>
+          </a:p>
+          <a:p>
+            <a:pPr marL="0" marR="0" lvl="0" indent="0" algn="l" rtl="0">
+              <a:spcBef>
+                <a:spcPts val="0"/>
+              </a:spcBef>
+              <a:buSzPct val="25000"/>
+              <a:buNone/>
+            </a:pPr>
+            <a:r>
+              <a:rPr lang="en-US" sz="1200" b="0" i="0" u="none" strike="noStrike" cap="none">
+                <a:solidFill>
+                  <a:schemeClr val="dk1"/>
+                </a:solidFill>
+                <a:latin typeface="Calibri"/>
+                <a:ea typeface="Calibri"/>
+                <a:cs typeface="Calibri"/>
+                <a:sym typeface="Calibri"/>
+              </a:rPr>
+              <a:t>This data is always continuous and there are no discrete units—a single point or area.</a:t>
+            </a:r>
+          </a:p>
+          <a:p>
+            <a:pPr marL="0" marR="0" lvl="0" indent="0" algn="l" rtl="0">
+              <a:spcBef>
+                <a:spcPts val="0"/>
+              </a:spcBef>
+              <a:buSzPct val="25000"/>
+              <a:buNone/>
+            </a:pPr>
+            <a:r>
+              <a:rPr lang="en-US" sz="1200" b="0" i="0" u="none" strike="noStrike" cap="none">
+                <a:solidFill>
+                  <a:schemeClr val="dk1"/>
+                </a:solidFill>
+                <a:latin typeface="Calibri"/>
+                <a:ea typeface="Calibri"/>
+                <a:cs typeface="Calibri"/>
+                <a:sym typeface="Calibri"/>
+              </a:rPr>
+              <a:t>Disclaimer: most of my work has been with vector based data</a:t>
+            </a:r>
+          </a:p>
+          <a:p>
+            <a:pPr marL="0" marR="0" lvl="0" indent="0" algn="l" rtl="0">
+              <a:spcBef>
+                <a:spcPts val="0"/>
+              </a:spcBef>
+              <a:buSzPct val="25000"/>
+              <a:buNone/>
+            </a:pPr>
+            <a:endParaRPr sz="1200" b="0" i="0" u="none" strike="noStrike" cap="none">
+              <a:solidFill>
+                <a:schemeClr val="dk1"/>
+              </a:solidFill>
+              <a:latin typeface="Calibri"/>
+              <a:ea typeface="Calibri"/>
+              <a:cs typeface="Calibri"/>
+              <a:sym typeface="Calibri"/>
+            </a:endParaRPr>
+          </a:p>
+          <a:p>
+            <a:pPr marL="0" marR="0" lvl="0" indent="0" algn="l" rtl="0">
+              <a:spcBef>
+                <a:spcPts val="0"/>
+              </a:spcBef>
+              <a:buSzPct val="25000"/>
+              <a:buNone/>
+            </a:pPr>
+            <a:r>
+              <a:rPr lang="en-US" sz="1200" b="0" i="0" u="none" strike="noStrike" cap="none">
+                <a:solidFill>
+                  <a:schemeClr val="dk1"/>
+                </a:solidFill>
+                <a:latin typeface="Calibri"/>
+                <a:ea typeface="Calibri"/>
+                <a:cs typeface="Calibri"/>
+                <a:sym typeface="Calibri"/>
+              </a:rPr>
+              <a:t>Common raster maps? Temperature data (interpolated), land cover, classified remote sensing imagery</a:t>
+            </a:r>
+          </a:p>
+          <a:p>
+            <a:pPr marL="0" marR="0" lvl="0" indent="0" algn="l" rtl="0">
+              <a:spcBef>
+                <a:spcPts val="0"/>
+              </a:spcBef>
+              <a:buSzPct val="25000"/>
+              <a:buNone/>
+            </a:pPr>
+            <a:endParaRPr sz="1200" b="0" i="0" u="none" strike="noStrike" cap="none">
+              <a:solidFill>
+                <a:schemeClr val="dk1"/>
+              </a:solidFill>
+              <a:latin typeface="Calibri"/>
+              <a:ea typeface="Calibri"/>
+              <a:cs typeface="Calibri"/>
+              <a:sym typeface="Calibri"/>
+            </a:endParaRPr>
+          </a:p>
+          <a:p>
+            <a:pPr marL="0" marR="0" lvl="0" indent="0" algn="l" rtl="0">
+              <a:spcBef>
+                <a:spcPts val="0"/>
+              </a:spcBef>
+              <a:buSzPct val="25000"/>
+              <a:buNone/>
+            </a:pPr>
+            <a:r>
+              <a:rPr lang="en-US" sz="1200" b="0" i="0" u="none" strike="noStrike" cap="none">
+                <a:solidFill>
+                  <a:schemeClr val="dk1"/>
+                </a:solidFill>
+                <a:latin typeface="Calibri"/>
+                <a:ea typeface="Calibri"/>
+                <a:cs typeface="Calibri"/>
+                <a:sym typeface="Calibri"/>
+              </a:rPr>
+              <a:t>Questions you could ask of a land cover map—what percentage of an area is covered by various land cover types. What’s the relationship between type of land cover and other characteristics: elevation, proximity to certain features, etc.?</a:t>
+            </a:r>
+          </a:p>
+        </p:txBody>
+      </p:sp>
+      <p:sp>
+        <p:nvSpPr>
+          <p:cNvPr id="250" name="Shape 250"/>
           <p:cNvSpPr txBox="1">
             <a:spLocks noGrp="1"/>
           </p:cNvSpPr>
@@ -4113,6 +4232,11 @@
         </p:txBody>
       </p:sp>
     </p:spTree>
+    <p:extLst>
+      <p:ext uri="{BB962C8B-B14F-4D97-AF65-F5344CB8AC3E}">
+        <p14:creationId xmlns:p14="http://schemas.microsoft.com/office/powerpoint/2010/main" val="1052486307"/>
+      </p:ext>
+    </p:extLst>
   </p:cSld>
   <p:clrMapOvr>
     <a:masterClrMapping/>
@@ -4125,7 +4249,7 @@
   <p:cSld>
     <p:spTree>
       <p:nvGrpSpPr>
-        <p:cNvPr id="1" name="Shape 92"/>
+        <p:cNvPr id="1" name="Shape 99"/>
         <p:cNvGrpSpPr/>
         <p:nvPr/>
       </p:nvGrpSpPr>
@@ -4139,7 +4263,7 @@
       </p:grpSpPr>
       <p:sp>
         <p:nvSpPr>
-          <p:cNvPr id="93" name="Shape 93"/>
+          <p:cNvPr id="100" name="Shape 100"/>
           <p:cNvSpPr>
             <a:spLocks noGrp="1" noRot="1" noChangeAspect="1"/>
           </p:cNvSpPr>
@@ -4190,7 +4314,7 @@
       </p:sp>
       <p:sp>
         <p:nvSpPr>
-          <p:cNvPr id="94" name="Shape 94"/>
+          <p:cNvPr id="101" name="Shape 101"/>
           <p:cNvSpPr txBox="1">
             <a:spLocks noGrp="1"/>
           </p:cNvSpPr>
@@ -4238,7 +4362,7 @@
       </p:sp>
       <p:sp>
         <p:nvSpPr>
-          <p:cNvPr id="95" name="Shape 95"/>
+          <p:cNvPr id="102" name="Shape 102"/>
           <p:cNvSpPr txBox="1">
             <a:spLocks noGrp="1"/>
           </p:cNvSpPr>
@@ -4645,7 +4769,7 @@
     </p:spTree>
     <p:extLst>
       <p:ext uri="{BB962C8B-B14F-4D97-AF65-F5344CB8AC3E}">
-        <p14:creationId xmlns:p14="http://schemas.microsoft.com/office/powerpoint/2010/main" val="1052486307"/>
+        <p14:creationId xmlns:p14="http://schemas.microsoft.com/office/powerpoint/2010/main" val="881072512"/>
       </p:ext>
     </p:extLst>
   </p:cSld>
@@ -4996,7 +5120,7 @@
     </p:spTree>
     <p:extLst>
       <p:ext uri="{BB962C8B-B14F-4D97-AF65-F5344CB8AC3E}">
-        <p14:creationId xmlns:p14="http://schemas.microsoft.com/office/powerpoint/2010/main" val="881072512"/>
+        <p14:creationId xmlns:p14="http://schemas.microsoft.com/office/powerpoint/2010/main" val="3982922164"/>
       </p:ext>
     </p:extLst>
   </p:cSld>
@@ -5347,357 +5471,6 @@
     </p:spTree>
     <p:extLst>
       <p:ext uri="{BB962C8B-B14F-4D97-AF65-F5344CB8AC3E}">
-        <p14:creationId xmlns:p14="http://schemas.microsoft.com/office/powerpoint/2010/main" val="3982922164"/>
-      </p:ext>
-    </p:extLst>
-  </p:cSld>
-  <p:clrMapOvr>
-    <a:masterClrMapping/>
-  </p:clrMapOvr>
-</p:notes>
-</file>
-
-<file path=ppt/notesSlides/notesSlide23.xml><?xml version="1.0" encoding="utf-8"?>
-<p:notes xmlns:a="http://schemas.openxmlformats.org/drawingml/2006/main" xmlns:r="http://schemas.openxmlformats.org/officeDocument/2006/relationships" xmlns:p="http://schemas.openxmlformats.org/presentationml/2006/main" showMasterSp="0" showMasterPhAnim="0">
-  <p:cSld>
-    <p:spTree>
-      <p:nvGrpSpPr>
-        <p:cNvPr id="1" name="Shape 247"/>
-        <p:cNvGrpSpPr/>
-        <p:nvPr/>
-      </p:nvGrpSpPr>
-      <p:grpSpPr>
-        <a:xfrm>
-          <a:off x="0" y="0"/>
-          <a:ext cx="0" cy="0"/>
-          <a:chOff x="0" y="0"/>
-          <a:chExt cx="0" cy="0"/>
-        </a:xfrm>
-      </p:grpSpPr>
-      <p:sp>
-        <p:nvSpPr>
-          <p:cNvPr id="248" name="Shape 248"/>
-          <p:cNvSpPr>
-            <a:spLocks noGrp="1" noRot="1" noChangeAspect="1"/>
-          </p:cNvSpPr>
-          <p:nvPr>
-            <p:ph type="sldImg" idx="2"/>
-          </p:nvPr>
-        </p:nvSpPr>
-        <p:spPr>
-          <a:xfrm>
-            <a:off x="1143000" y="685800"/>
-            <a:ext cx="4572000" cy="3429000"/>
-          </a:xfrm>
-          <a:custGeom>
-            <a:avLst/>
-            <a:gdLst/>
-            <a:ahLst/>
-            <a:cxnLst/>
-            <a:rect l="0" t="0" r="0" b="0"/>
-            <a:pathLst>
-              <a:path w="120000" h="120000" extrusionOk="0">
-                <a:moveTo>
-                  <a:pt x="0" y="0"/>
-                </a:moveTo>
-                <a:lnTo>
-                  <a:pt x="120000" y="0"/>
-                </a:lnTo>
-                <a:lnTo>
-                  <a:pt x="120000" y="120000"/>
-                </a:lnTo>
-                <a:lnTo>
-                  <a:pt x="0" y="120000"/>
-                </a:lnTo>
-                <a:close/>
-              </a:path>
-            </a:pathLst>
-          </a:custGeom>
-          <a:noFill/>
-          <a:ln w="12700" cap="flat" cmpd="sng">
-            <a:solidFill>
-              <a:srgbClr val="000000"/>
-            </a:solidFill>
-            <a:prstDash val="solid"/>
-            <a:round/>
-            <a:headEnd type="none" w="med" len="med"/>
-            <a:tailEnd type="none" w="med" len="med"/>
-          </a:ln>
-        </p:spPr>
-      </p:sp>
-      <p:sp>
-        <p:nvSpPr>
-          <p:cNvPr id="249" name="Shape 249"/>
-          <p:cNvSpPr txBox="1">
-            <a:spLocks noGrp="1"/>
-          </p:cNvSpPr>
-          <p:nvPr>
-            <p:ph type="body" idx="1"/>
-          </p:nvPr>
-        </p:nvSpPr>
-        <p:spPr>
-          <a:xfrm>
-            <a:off x="685800" y="4343400"/>
-            <a:ext cx="5486399" cy="4114800"/>
-          </a:xfrm>
-          <a:prstGeom prst="rect">
-            <a:avLst/>
-          </a:prstGeom>
-          <a:noFill/>
-          <a:ln>
-            <a:noFill/>
-          </a:ln>
-        </p:spPr>
-        <p:txBody>
-          <a:bodyPr lIns="91425" tIns="45700" rIns="91425" bIns="45700" anchor="t" anchorCtr="0">
-            <a:noAutofit/>
-          </a:bodyPr>
-          <a:lstStyle/>
-          <a:p>
-            <a:pPr marL="0" marR="0" lvl="0" indent="0" algn="l" rtl="0">
-              <a:spcBef>
-                <a:spcPts val="0"/>
-              </a:spcBef>
-              <a:buSzPct val="25000"/>
-              <a:buNone/>
-            </a:pPr>
-            <a:r>
-              <a:rPr lang="en-US" sz="1200" b="0" i="0" u="none" strike="noStrike" cap="none">
-                <a:solidFill>
-                  <a:schemeClr val="dk1"/>
-                </a:solidFill>
-                <a:latin typeface="Calibri"/>
-                <a:ea typeface="Calibri"/>
-                <a:cs typeface="Calibri"/>
-                <a:sym typeface="Calibri"/>
-              </a:rPr>
-              <a:t>Raster data</a:t>
-            </a:r>
-          </a:p>
-          <a:p>
-            <a:pPr marL="0" marR="0" lvl="0" indent="0" algn="l" rtl="0">
-              <a:spcBef>
-                <a:spcPts val="0"/>
-              </a:spcBef>
-              <a:buSzPct val="25000"/>
-              <a:buNone/>
-            </a:pPr>
-            <a:endParaRPr sz="1200" b="0" i="0" u="none" strike="noStrike" cap="none">
-              <a:solidFill>
-                <a:schemeClr val="dk1"/>
-              </a:solidFill>
-              <a:latin typeface="Calibri"/>
-              <a:ea typeface="Calibri"/>
-              <a:cs typeface="Calibri"/>
-              <a:sym typeface="Calibri"/>
-            </a:endParaRPr>
-          </a:p>
-          <a:p>
-            <a:pPr marL="0" marR="0" lvl="0" indent="0" algn="l" rtl="0">
-              <a:spcBef>
-                <a:spcPts val="0"/>
-              </a:spcBef>
-              <a:buSzPct val="25000"/>
-              <a:buNone/>
-            </a:pPr>
-            <a:r>
-              <a:rPr lang="en-US" sz="1200" b="0" i="0" u="none" strike="noStrike" cap="none">
-                <a:solidFill>
-                  <a:schemeClr val="dk1"/>
-                </a:solidFill>
-                <a:latin typeface="Calibri"/>
-                <a:ea typeface="Calibri"/>
-                <a:cs typeface="Calibri"/>
-                <a:sym typeface="Calibri"/>
-              </a:rPr>
-              <a:t>Comprised of raster cells—all the same size and all with a value</a:t>
-            </a:r>
-          </a:p>
-          <a:p>
-            <a:pPr marL="0" marR="0" lvl="0" indent="0" algn="l" rtl="0">
-              <a:spcBef>
-                <a:spcPts val="0"/>
-              </a:spcBef>
-              <a:buSzPct val="25000"/>
-              <a:buNone/>
-            </a:pPr>
-            <a:r>
-              <a:rPr lang="en-US" sz="1200" b="0" i="0" u="none" strike="noStrike" cap="none">
-                <a:solidFill>
-                  <a:schemeClr val="dk1"/>
-                </a:solidFill>
-                <a:latin typeface="Calibri"/>
-                <a:ea typeface="Calibri"/>
-                <a:cs typeface="Calibri"/>
-                <a:sym typeface="Calibri"/>
-              </a:rPr>
-              <a:t>This data is always continuous and there are no discrete units—a single point or area.</a:t>
-            </a:r>
-          </a:p>
-          <a:p>
-            <a:pPr marL="0" marR="0" lvl="0" indent="0" algn="l" rtl="0">
-              <a:spcBef>
-                <a:spcPts val="0"/>
-              </a:spcBef>
-              <a:buSzPct val="25000"/>
-              <a:buNone/>
-            </a:pPr>
-            <a:r>
-              <a:rPr lang="en-US" sz="1200" b="0" i="0" u="none" strike="noStrike" cap="none">
-                <a:solidFill>
-                  <a:schemeClr val="dk1"/>
-                </a:solidFill>
-                <a:latin typeface="Calibri"/>
-                <a:ea typeface="Calibri"/>
-                <a:cs typeface="Calibri"/>
-                <a:sym typeface="Calibri"/>
-              </a:rPr>
-              <a:t>Disclaimer: most of my work has been with vector based data</a:t>
-            </a:r>
-          </a:p>
-          <a:p>
-            <a:pPr marL="0" marR="0" lvl="0" indent="0" algn="l" rtl="0">
-              <a:spcBef>
-                <a:spcPts val="0"/>
-              </a:spcBef>
-              <a:buSzPct val="25000"/>
-              <a:buNone/>
-            </a:pPr>
-            <a:endParaRPr sz="1200" b="0" i="0" u="none" strike="noStrike" cap="none">
-              <a:solidFill>
-                <a:schemeClr val="dk1"/>
-              </a:solidFill>
-              <a:latin typeface="Calibri"/>
-              <a:ea typeface="Calibri"/>
-              <a:cs typeface="Calibri"/>
-              <a:sym typeface="Calibri"/>
-            </a:endParaRPr>
-          </a:p>
-          <a:p>
-            <a:pPr marL="0" marR="0" lvl="0" indent="0" algn="l" rtl="0">
-              <a:spcBef>
-                <a:spcPts val="0"/>
-              </a:spcBef>
-              <a:buSzPct val="25000"/>
-              <a:buNone/>
-            </a:pPr>
-            <a:r>
-              <a:rPr lang="en-US" sz="1200" b="0" i="0" u="none" strike="noStrike" cap="none">
-                <a:solidFill>
-                  <a:schemeClr val="dk1"/>
-                </a:solidFill>
-                <a:latin typeface="Calibri"/>
-                <a:ea typeface="Calibri"/>
-                <a:cs typeface="Calibri"/>
-                <a:sym typeface="Calibri"/>
-              </a:rPr>
-              <a:t>Common raster maps? Temperature data (interpolated), land cover, classified remote sensing imagery</a:t>
-            </a:r>
-          </a:p>
-          <a:p>
-            <a:pPr marL="0" marR="0" lvl="0" indent="0" algn="l" rtl="0">
-              <a:spcBef>
-                <a:spcPts val="0"/>
-              </a:spcBef>
-              <a:buSzPct val="25000"/>
-              <a:buNone/>
-            </a:pPr>
-            <a:endParaRPr sz="1200" b="0" i="0" u="none" strike="noStrike" cap="none">
-              <a:solidFill>
-                <a:schemeClr val="dk1"/>
-              </a:solidFill>
-              <a:latin typeface="Calibri"/>
-              <a:ea typeface="Calibri"/>
-              <a:cs typeface="Calibri"/>
-              <a:sym typeface="Calibri"/>
-            </a:endParaRPr>
-          </a:p>
-          <a:p>
-            <a:pPr marL="0" marR="0" lvl="0" indent="0" algn="l" rtl="0">
-              <a:spcBef>
-                <a:spcPts val="0"/>
-              </a:spcBef>
-              <a:buSzPct val="25000"/>
-              <a:buNone/>
-            </a:pPr>
-            <a:r>
-              <a:rPr lang="en-US" sz="1200" b="0" i="0" u="none" strike="noStrike" cap="none">
-                <a:solidFill>
-                  <a:schemeClr val="dk1"/>
-                </a:solidFill>
-                <a:latin typeface="Calibri"/>
-                <a:ea typeface="Calibri"/>
-                <a:cs typeface="Calibri"/>
-                <a:sym typeface="Calibri"/>
-              </a:rPr>
-              <a:t>Questions you could ask of a land cover map—what percentage of an area is covered by various land cover types. What’s the relationship between type of land cover and other characteristics: elevation, proximity to certain features, etc.?</a:t>
-            </a:r>
-          </a:p>
-        </p:txBody>
-      </p:sp>
-      <p:sp>
-        <p:nvSpPr>
-          <p:cNvPr id="250" name="Shape 250"/>
-          <p:cNvSpPr txBox="1">
-            <a:spLocks noGrp="1"/>
-          </p:cNvSpPr>
-          <p:nvPr>
-            <p:ph type="sldNum" idx="12"/>
-          </p:nvPr>
-        </p:nvSpPr>
-        <p:spPr>
-          <a:xfrm>
-            <a:off x="3884612" y="8685213"/>
-            <a:ext cx="2971799" cy="457200"/>
-          </a:xfrm>
-          <a:prstGeom prst="rect">
-            <a:avLst/>
-          </a:prstGeom>
-          <a:noFill/>
-          <a:ln>
-            <a:noFill/>
-          </a:ln>
-        </p:spPr>
-        <p:txBody>
-          <a:bodyPr lIns="91425" tIns="45700" rIns="91425" bIns="45700" anchor="b" anchorCtr="0">
-            <a:noAutofit/>
-          </a:bodyPr>
-          <a:lstStyle/>
-          <a:p>
-            <a:pPr marL="0" marR="0" lvl="0" indent="0" algn="r" rtl="0">
-              <a:spcBef>
-                <a:spcPts val="0"/>
-              </a:spcBef>
-              <a:buSzPct val="25000"/>
-              <a:buNone/>
-            </a:pPr>
-            <a:fld id="{00000000-1234-1234-1234-123412341234}" type="slidenum">
-              <a:rPr lang="en-US" sz="1200">
-                <a:solidFill>
-                  <a:schemeClr val="dk1"/>
-                </a:solidFill>
-                <a:latin typeface="Calibri"/>
-                <a:ea typeface="Calibri"/>
-                <a:cs typeface="Calibri"/>
-                <a:sym typeface="Calibri"/>
-              </a:rPr>
-              <a:t>23</a:t>
-            </a:fld>
-            <a:endParaRPr lang="en-US" sz="1200">
-              <a:solidFill>
-                <a:schemeClr val="dk1"/>
-              </a:solidFill>
-              <a:latin typeface="Calibri"/>
-              <a:ea typeface="Calibri"/>
-              <a:cs typeface="Calibri"/>
-              <a:sym typeface="Calibri"/>
-            </a:endParaRPr>
-          </a:p>
-        </p:txBody>
-      </p:sp>
-    </p:spTree>
-    <p:extLst>
-      <p:ext uri="{BB962C8B-B14F-4D97-AF65-F5344CB8AC3E}">
         <p14:creationId xmlns:p14="http://schemas.microsoft.com/office/powerpoint/2010/main" val="1819364346"/>
       </p:ext>
     </p:extLst>
@@ -5709,190 +5482,6 @@
 </file>
 
 <file path=ppt/notesSlides/notesSlide3.xml><?xml version="1.0" encoding="utf-8"?>
-<p:notes xmlns:a="http://schemas.openxmlformats.org/drawingml/2006/main" xmlns:r="http://schemas.openxmlformats.org/officeDocument/2006/relationships" xmlns:p="http://schemas.openxmlformats.org/presentationml/2006/main" showMasterSp="0" showMasterPhAnim="0">
-  <p:cSld>
-    <p:spTree>
-      <p:nvGrpSpPr>
-        <p:cNvPr id="1" name="Shape 99"/>
-        <p:cNvGrpSpPr/>
-        <p:nvPr/>
-      </p:nvGrpSpPr>
-      <p:grpSpPr>
-        <a:xfrm>
-          <a:off x="0" y="0"/>
-          <a:ext cx="0" cy="0"/>
-          <a:chOff x="0" y="0"/>
-          <a:chExt cx="0" cy="0"/>
-        </a:xfrm>
-      </p:grpSpPr>
-      <p:sp>
-        <p:nvSpPr>
-          <p:cNvPr id="100" name="Shape 100"/>
-          <p:cNvSpPr>
-            <a:spLocks noGrp="1" noRot="1" noChangeAspect="1"/>
-          </p:cNvSpPr>
-          <p:nvPr>
-            <p:ph type="sldImg" idx="2"/>
-          </p:nvPr>
-        </p:nvSpPr>
-        <p:spPr>
-          <a:xfrm>
-            <a:off x="1143000" y="685800"/>
-            <a:ext cx="4572000" cy="3429000"/>
-          </a:xfrm>
-          <a:custGeom>
-            <a:avLst/>
-            <a:gdLst/>
-            <a:ahLst/>
-            <a:cxnLst/>
-            <a:rect l="0" t="0" r="0" b="0"/>
-            <a:pathLst>
-              <a:path w="120000" h="120000" extrusionOk="0">
-                <a:moveTo>
-                  <a:pt x="0" y="0"/>
-                </a:moveTo>
-                <a:lnTo>
-                  <a:pt x="120000" y="0"/>
-                </a:lnTo>
-                <a:lnTo>
-                  <a:pt x="120000" y="120000"/>
-                </a:lnTo>
-                <a:lnTo>
-                  <a:pt x="0" y="120000"/>
-                </a:lnTo>
-                <a:close/>
-              </a:path>
-            </a:pathLst>
-          </a:custGeom>
-          <a:noFill/>
-          <a:ln w="12700" cap="flat" cmpd="sng">
-            <a:solidFill>
-              <a:srgbClr val="000000"/>
-            </a:solidFill>
-            <a:prstDash val="solid"/>
-            <a:round/>
-            <a:headEnd type="none" w="med" len="med"/>
-            <a:tailEnd type="none" w="med" len="med"/>
-          </a:ln>
-        </p:spPr>
-      </p:sp>
-      <p:sp>
-        <p:nvSpPr>
-          <p:cNvPr id="101" name="Shape 101"/>
-          <p:cNvSpPr txBox="1">
-            <a:spLocks noGrp="1"/>
-          </p:cNvSpPr>
-          <p:nvPr>
-            <p:ph type="body" idx="1"/>
-          </p:nvPr>
-        </p:nvSpPr>
-        <p:spPr>
-          <a:xfrm>
-            <a:off x="685800" y="4343400"/>
-            <a:ext cx="5486400" cy="4114800"/>
-          </a:xfrm>
-          <a:prstGeom prst="rect">
-            <a:avLst/>
-          </a:prstGeom>
-          <a:noFill/>
-          <a:ln>
-            <a:noFill/>
-          </a:ln>
-        </p:spPr>
-        <p:txBody>
-          <a:bodyPr lIns="91425" tIns="45700" rIns="91425" bIns="45700" anchor="t" anchorCtr="0">
-            <a:noAutofit/>
-          </a:bodyPr>
-          <a:lstStyle/>
-          <a:p>
-            <a:pPr marL="0" marR="0" lvl="0" indent="0" algn="l" rtl="0">
-              <a:spcBef>
-                <a:spcPts val="0"/>
-              </a:spcBef>
-              <a:buSzPct val="25000"/>
-              <a:buNone/>
-            </a:pPr>
-            <a:endParaRPr sz="1200" b="0" i="0" u="none" strike="noStrike" cap="none">
-              <a:solidFill>
-                <a:schemeClr val="dk1"/>
-              </a:solidFill>
-              <a:latin typeface="Calibri"/>
-              <a:ea typeface="Calibri"/>
-              <a:cs typeface="Calibri"/>
-              <a:sym typeface="Calibri"/>
-            </a:endParaRPr>
-          </a:p>
-        </p:txBody>
-      </p:sp>
-      <p:sp>
-        <p:nvSpPr>
-          <p:cNvPr id="102" name="Shape 102"/>
-          <p:cNvSpPr txBox="1">
-            <a:spLocks noGrp="1"/>
-          </p:cNvSpPr>
-          <p:nvPr>
-            <p:ph type="sldNum" idx="12"/>
-          </p:nvPr>
-        </p:nvSpPr>
-        <p:spPr>
-          <a:xfrm>
-            <a:off x="3884612" y="8685213"/>
-            <a:ext cx="2971800" cy="457200"/>
-          </a:xfrm>
-          <a:prstGeom prst="rect">
-            <a:avLst/>
-          </a:prstGeom>
-          <a:noFill/>
-          <a:ln>
-            <a:noFill/>
-          </a:ln>
-        </p:spPr>
-        <p:txBody>
-          <a:bodyPr lIns="91425" tIns="45700" rIns="91425" bIns="45700" anchor="b" anchorCtr="0">
-            <a:noAutofit/>
-          </a:bodyPr>
-          <a:lstStyle/>
-          <a:p>
-            <a:pPr marL="0" marR="0" lvl="0" indent="0" algn="r" rtl="0">
-              <a:spcBef>
-                <a:spcPts val="0"/>
-              </a:spcBef>
-              <a:buSzPct val="25000"/>
-              <a:buNone/>
-            </a:pPr>
-            <a:fld id="{00000000-1234-1234-1234-123412341234}" type="slidenum">
-              <a:rPr lang="en-US" sz="1200">
-                <a:solidFill>
-                  <a:schemeClr val="dk1"/>
-                </a:solidFill>
-                <a:latin typeface="Calibri"/>
-                <a:ea typeface="Calibri"/>
-                <a:cs typeface="Calibri"/>
-                <a:sym typeface="Calibri"/>
-              </a:rPr>
-              <a:t>3</a:t>
-            </a:fld>
-            <a:endParaRPr lang="en-US" sz="1200">
-              <a:solidFill>
-                <a:schemeClr val="dk1"/>
-              </a:solidFill>
-              <a:latin typeface="Calibri"/>
-              <a:ea typeface="Calibri"/>
-              <a:cs typeface="Calibri"/>
-              <a:sym typeface="Calibri"/>
-            </a:endParaRPr>
-          </a:p>
-        </p:txBody>
-      </p:sp>
-    </p:spTree>
-  </p:cSld>
-  <p:clrMapOvr>
-    <a:masterClrMapping/>
-  </p:clrMapOvr>
-</p:notes>
-</file>
-
-<file path=ppt/notesSlides/notesSlide4.xml><?xml version="1.0" encoding="utf-8"?>
 <p:notes xmlns:a="http://schemas.openxmlformats.org/drawingml/2006/main" xmlns:r="http://schemas.openxmlformats.org/officeDocument/2006/relationships" xmlns:p="http://schemas.openxmlformats.org/presentationml/2006/main" showMasterSp="0" showMasterPhAnim="0">
   <p:cSld>
     <p:spTree>
@@ -6057,7 +5646,7 @@
                 <a:cs typeface="Calibri"/>
                 <a:sym typeface="Calibri"/>
               </a:rPr>
-              <a:t>4</a:t>
+              <a:t>3</a:t>
             </a:fld>
             <a:endParaRPr lang="en-US" sz="1200">
               <a:solidFill>
@@ -6079,7 +5668,7 @@
 </p:notes>
 </file>
 
-<file path=ppt/notesSlides/notesSlide5.xml><?xml version="1.0" encoding="utf-8"?>
+<file path=ppt/notesSlides/notesSlide4.xml><?xml version="1.0" encoding="utf-8"?>
 <p:notes xmlns:a="http://schemas.openxmlformats.org/drawingml/2006/main" xmlns:r="http://schemas.openxmlformats.org/officeDocument/2006/relationships" xmlns:p="http://schemas.openxmlformats.org/presentationml/2006/main" showMasterSp="0" showMasterPhAnim="0">
   <p:cSld>
     <p:spTree>
@@ -6346,7 +5935,7 @@
                 <a:cs typeface="Calibri"/>
                 <a:sym typeface="Calibri"/>
               </a:rPr>
-              <a:t>5</a:t>
+              <a:t>4</a:t>
             </a:fld>
             <a:endParaRPr lang="en-US" sz="1200">
               <a:solidFill>
@@ -6368,7 +5957,7 @@
 </p:notes>
 </file>
 
-<file path=ppt/notesSlides/notesSlide6.xml><?xml version="1.0" encoding="utf-8"?>
+<file path=ppt/notesSlides/notesSlide5.xml><?xml version="1.0" encoding="utf-8"?>
 <p:notes xmlns:a="http://schemas.openxmlformats.org/drawingml/2006/main" xmlns:r="http://schemas.openxmlformats.org/officeDocument/2006/relationships" xmlns:p="http://schemas.openxmlformats.org/presentationml/2006/main" showMasterSp="0" showMasterPhAnim="0">
   <p:cSld>
     <p:spTree>
@@ -6572,7 +6161,7 @@
                 <a:cs typeface="Calibri"/>
                 <a:sym typeface="Calibri"/>
               </a:rPr>
-              <a:t>6</a:t>
+              <a:t>5</a:t>
             </a:fld>
             <a:endParaRPr lang="en-US" sz="1200">
               <a:solidFill>
@@ -6594,7 +6183,7 @@
 </p:notes>
 </file>
 
-<file path=ppt/notesSlides/notesSlide7.xml><?xml version="1.0" encoding="utf-8"?>
+<file path=ppt/notesSlides/notesSlide6.xml><?xml version="1.0" encoding="utf-8"?>
 <p:notes xmlns:a="http://schemas.openxmlformats.org/drawingml/2006/main" xmlns:r="http://schemas.openxmlformats.org/officeDocument/2006/relationships" xmlns:p="http://schemas.openxmlformats.org/presentationml/2006/main" showMasterSp="0" showMasterPhAnim="0">
   <p:cSld>
     <p:spTree>
@@ -6798,7 +6387,7 @@
                 <a:cs typeface="Calibri"/>
                 <a:sym typeface="Calibri"/>
               </a:rPr>
-              <a:t>7</a:t>
+              <a:t>6</a:t>
             </a:fld>
             <a:endParaRPr lang="en-US" sz="1200">
               <a:solidFill>
@@ -6820,7 +6409,7 @@
 </p:notes>
 </file>
 
-<file path=ppt/notesSlides/notesSlide8.xml><?xml version="1.0" encoding="utf-8"?>
+<file path=ppt/notesSlides/notesSlide7.xml><?xml version="1.0" encoding="utf-8"?>
 <p:notes xmlns:a="http://schemas.openxmlformats.org/drawingml/2006/main" xmlns:r="http://schemas.openxmlformats.org/officeDocument/2006/relationships" xmlns:p="http://schemas.openxmlformats.org/presentationml/2006/main" showMasterSp="0" showMasterPhAnim="0">
   <p:cSld>
     <p:spTree>
@@ -7024,7 +6613,7 @@
                 <a:cs typeface="Calibri"/>
                 <a:sym typeface="Calibri"/>
               </a:rPr>
-              <a:t>8</a:t>
+              <a:t>7</a:t>
             </a:fld>
             <a:endParaRPr lang="en-US" sz="1200">
               <a:solidFill>
@@ -7046,7 +6635,7 @@
 </p:notes>
 </file>
 
-<file path=ppt/notesSlides/notesSlide9.xml><?xml version="1.0" encoding="utf-8"?>
+<file path=ppt/notesSlides/notesSlide8.xml><?xml version="1.0" encoding="utf-8"?>
 <p:notes xmlns:a="http://schemas.openxmlformats.org/drawingml/2006/main" xmlns:r="http://schemas.openxmlformats.org/officeDocument/2006/relationships" xmlns:p="http://schemas.openxmlformats.org/presentationml/2006/main" showMasterSp="0" showMasterPhAnim="0">
   <p:cSld>
     <p:spTree>
@@ -7165,6 +6754,232 @@
       <p:sp>
         <p:nvSpPr>
           <p:cNvPr id="151" name="Shape 151"/>
+          <p:cNvSpPr txBox="1">
+            <a:spLocks noGrp="1"/>
+          </p:cNvSpPr>
+          <p:nvPr>
+            <p:ph type="sldNum" idx="12"/>
+          </p:nvPr>
+        </p:nvSpPr>
+        <p:spPr>
+          <a:xfrm>
+            <a:off x="3884612" y="8685213"/>
+            <a:ext cx="2971799" cy="457200"/>
+          </a:xfrm>
+          <a:prstGeom prst="rect">
+            <a:avLst/>
+          </a:prstGeom>
+          <a:noFill/>
+          <a:ln>
+            <a:noFill/>
+          </a:ln>
+        </p:spPr>
+        <p:txBody>
+          <a:bodyPr lIns="91425" tIns="45700" rIns="91425" bIns="45700" anchor="b" anchorCtr="0">
+            <a:noAutofit/>
+          </a:bodyPr>
+          <a:lstStyle/>
+          <a:p>
+            <a:pPr marL="0" marR="0" lvl="0" indent="0" algn="r" rtl="0">
+              <a:spcBef>
+                <a:spcPts val="0"/>
+              </a:spcBef>
+              <a:buSzPct val="25000"/>
+              <a:buNone/>
+            </a:pPr>
+            <a:fld id="{00000000-1234-1234-1234-123412341234}" type="slidenum">
+              <a:rPr lang="en-US" sz="1200">
+                <a:solidFill>
+                  <a:schemeClr val="dk1"/>
+                </a:solidFill>
+                <a:latin typeface="Calibri"/>
+                <a:ea typeface="Calibri"/>
+                <a:cs typeface="Calibri"/>
+                <a:sym typeface="Calibri"/>
+              </a:rPr>
+              <a:t>8</a:t>
+            </a:fld>
+            <a:endParaRPr lang="en-US" sz="1200">
+              <a:solidFill>
+                <a:schemeClr val="dk1"/>
+              </a:solidFill>
+              <a:latin typeface="Calibri"/>
+              <a:ea typeface="Calibri"/>
+              <a:cs typeface="Calibri"/>
+              <a:sym typeface="Calibri"/>
+            </a:endParaRPr>
+          </a:p>
+        </p:txBody>
+      </p:sp>
+    </p:spTree>
+  </p:cSld>
+  <p:clrMapOvr>
+    <a:masterClrMapping/>
+  </p:clrMapOvr>
+</p:notes>
+</file>
+
+<file path=ppt/notesSlides/notesSlide9.xml><?xml version="1.0" encoding="utf-8"?>
+<p:notes xmlns:a="http://schemas.openxmlformats.org/drawingml/2006/main" xmlns:r="http://schemas.openxmlformats.org/officeDocument/2006/relationships" xmlns:p="http://schemas.openxmlformats.org/presentationml/2006/main" showMasterSp="0" showMasterPhAnim="0">
+  <p:cSld>
+    <p:spTree>
+      <p:nvGrpSpPr>
+        <p:cNvPr id="1" name="Shape 156"/>
+        <p:cNvGrpSpPr/>
+        <p:nvPr/>
+      </p:nvGrpSpPr>
+      <p:grpSpPr>
+        <a:xfrm>
+          <a:off x="0" y="0"/>
+          <a:ext cx="0" cy="0"/>
+          <a:chOff x="0" y="0"/>
+          <a:chExt cx="0" cy="0"/>
+        </a:xfrm>
+      </p:grpSpPr>
+      <p:sp>
+        <p:nvSpPr>
+          <p:cNvPr id="157" name="Shape 157"/>
+          <p:cNvSpPr>
+            <a:spLocks noGrp="1" noRot="1" noChangeAspect="1"/>
+          </p:cNvSpPr>
+          <p:nvPr>
+            <p:ph type="sldImg" idx="2"/>
+          </p:nvPr>
+        </p:nvSpPr>
+        <p:spPr>
+          <a:xfrm>
+            <a:off x="1143000" y="685800"/>
+            <a:ext cx="4572000" cy="3429000"/>
+          </a:xfrm>
+          <a:custGeom>
+            <a:avLst/>
+            <a:gdLst/>
+            <a:ahLst/>
+            <a:cxnLst/>
+            <a:rect l="0" t="0" r="0" b="0"/>
+            <a:pathLst>
+              <a:path w="120000" h="120000" extrusionOk="0">
+                <a:moveTo>
+                  <a:pt x="0" y="0"/>
+                </a:moveTo>
+                <a:lnTo>
+                  <a:pt x="120000" y="0"/>
+                </a:lnTo>
+                <a:lnTo>
+                  <a:pt x="120000" y="120000"/>
+                </a:lnTo>
+                <a:lnTo>
+                  <a:pt x="0" y="120000"/>
+                </a:lnTo>
+                <a:close/>
+              </a:path>
+            </a:pathLst>
+          </a:custGeom>
+          <a:noFill/>
+          <a:ln w="12700" cap="flat" cmpd="sng">
+            <a:solidFill>
+              <a:srgbClr val="000000"/>
+            </a:solidFill>
+            <a:prstDash val="solid"/>
+            <a:round/>
+            <a:headEnd type="none" w="med" len="med"/>
+            <a:tailEnd type="none" w="med" len="med"/>
+          </a:ln>
+        </p:spPr>
+      </p:sp>
+      <p:sp>
+        <p:nvSpPr>
+          <p:cNvPr id="158" name="Shape 158"/>
+          <p:cNvSpPr txBox="1">
+            <a:spLocks noGrp="1"/>
+          </p:cNvSpPr>
+          <p:nvPr>
+            <p:ph type="body" idx="1"/>
+          </p:nvPr>
+        </p:nvSpPr>
+        <p:spPr>
+          <a:xfrm>
+            <a:off x="685800" y="4343400"/>
+            <a:ext cx="5486399" cy="4114800"/>
+          </a:xfrm>
+          <a:prstGeom prst="rect">
+            <a:avLst/>
+          </a:prstGeom>
+          <a:noFill/>
+          <a:ln>
+            <a:noFill/>
+          </a:ln>
+        </p:spPr>
+        <p:txBody>
+          <a:bodyPr lIns="91425" tIns="45700" rIns="91425" bIns="45700" anchor="t" anchorCtr="0">
+            <a:noAutofit/>
+          </a:bodyPr>
+          <a:lstStyle/>
+          <a:p>
+            <a:pPr marL="0" marR="0" lvl="0" indent="0" algn="l" rtl="0">
+              <a:spcBef>
+                <a:spcPts val="0"/>
+              </a:spcBef>
+              <a:buSzPct val="25000"/>
+              <a:buNone/>
+            </a:pPr>
+            <a:r>
+              <a:rPr lang="en-US" sz="1200" b="0" i="0" u="none" strike="noStrike" cap="none">
+                <a:solidFill>
+                  <a:schemeClr val="dk1"/>
+                </a:solidFill>
+                <a:latin typeface="Calibri"/>
+                <a:ea typeface="Calibri"/>
+                <a:cs typeface="Calibri"/>
+                <a:sym typeface="Calibri"/>
+              </a:rPr>
+              <a:t>Difference between descriptive and inferential statistics.</a:t>
+            </a:r>
+          </a:p>
+          <a:p>
+            <a:pPr marL="0" marR="0" lvl="0" indent="0" algn="l" rtl="0">
+              <a:spcBef>
+                <a:spcPts val="0"/>
+              </a:spcBef>
+              <a:buSzPct val="25000"/>
+              <a:buNone/>
+            </a:pPr>
+            <a:endParaRPr sz="1200" b="0" i="0" u="none" strike="noStrike" cap="none">
+              <a:solidFill>
+                <a:schemeClr val="dk1"/>
+              </a:solidFill>
+              <a:latin typeface="Calibri"/>
+              <a:ea typeface="Calibri"/>
+              <a:cs typeface="Calibri"/>
+              <a:sym typeface="Calibri"/>
+            </a:endParaRPr>
+          </a:p>
+          <a:p>
+            <a:pPr marL="0" marR="0" lvl="0" indent="0" algn="l" rtl="0">
+              <a:spcBef>
+                <a:spcPts val="0"/>
+              </a:spcBef>
+              <a:buSzPct val="25000"/>
+              <a:buNone/>
+            </a:pPr>
+            <a:r>
+              <a:rPr lang="en-US" sz="1200" b="0" i="0" u="none" strike="noStrike" cap="none">
+                <a:solidFill>
+                  <a:schemeClr val="dk1"/>
+                </a:solidFill>
+                <a:latin typeface="Calibri"/>
+                <a:ea typeface="Calibri"/>
+                <a:cs typeface="Calibri"/>
+                <a:sym typeface="Calibri"/>
+              </a:rPr>
+              <a:t>Example: rates of cancer in all state counties. </a:t>
+            </a:r>
+          </a:p>
+        </p:txBody>
+      </p:sp>
+      <p:sp>
+        <p:nvSpPr>
+          <p:cNvPr id="159" name="Shape 159"/>
           <p:cNvSpPr txBox="1">
             <a:spLocks noGrp="1"/>
           </p:cNvSpPr>
@@ -17419,189 +17234,6 @@
         </p:nvSpPr>
         <p:spPr>
           <a:xfrm>
-            <a:off x="165100" y="101600"/>
-            <a:ext cx="8782050" cy="1569660"/>
-          </a:xfrm>
-          <a:prstGeom prst="rect">
-            <a:avLst/>
-          </a:prstGeom>
-          <a:noFill/>
-          <a:ln>
-            <a:noFill/>
-          </a:ln>
-        </p:spPr>
-        <p:txBody>
-          <a:bodyPr lIns="91425" tIns="45700" rIns="91425" bIns="45700" anchor="t" anchorCtr="0">
-            <a:noAutofit/>
-          </a:bodyPr>
-          <a:lstStyle/>
-          <a:p>
-            <a:pPr marL="0" marR="0" lvl="0" indent="0" algn="l" rtl="0">
-              <a:spcBef>
-                <a:spcPts val="0"/>
-              </a:spcBef>
-              <a:buSzPct val="25000"/>
-              <a:buNone/>
-            </a:pPr>
-            <a:r>
-              <a:rPr lang="en-US" sz="4800" dirty="0">
-                <a:solidFill>
-                  <a:srgbClr val="FFFF66"/>
-                </a:solidFill>
-                <a:latin typeface="Calibri"/>
-                <a:ea typeface="Calibri"/>
-                <a:cs typeface="Calibri"/>
-                <a:sym typeface="Calibri"/>
-              </a:rPr>
-              <a:t>Stats in Geography:</a:t>
-            </a:r>
-          </a:p>
-          <a:p>
-            <a:pPr marL="0" marR="0" lvl="0" indent="0" algn="l" rtl="0">
-              <a:spcBef>
-                <a:spcPts val="0"/>
-              </a:spcBef>
-              <a:buSzPct val="25000"/>
-              <a:buNone/>
-            </a:pPr>
-            <a:r>
-              <a:rPr lang="en-US" sz="4800" dirty="0">
-                <a:solidFill>
-                  <a:srgbClr val="FFFF66"/>
-                </a:solidFill>
-                <a:latin typeface="Calibri"/>
-                <a:ea typeface="Calibri"/>
-                <a:cs typeface="Calibri"/>
-                <a:sym typeface="Calibri"/>
-              </a:rPr>
-              <a:t>Often similar to other disciplines</a:t>
-            </a:r>
-          </a:p>
-        </p:txBody>
-      </p:sp>
-      <p:pic>
-        <p:nvPicPr>
-          <p:cNvPr id="3074" name="Picture 2" descr="Image result for box plot"/>
-          <p:cNvPicPr>
-            <a:picLocks noChangeAspect="1" noChangeArrowheads="1"/>
-          </p:cNvPicPr>
-          <p:nvPr/>
-        </p:nvPicPr>
-        <p:blipFill>
-          <a:blip r:embed="rId3">
-            <a:extLst>
-              <a:ext uri="{28A0092B-C50C-407E-A947-70E740481C1C}">
-                <a14:useLocalDpi xmlns:a14="http://schemas.microsoft.com/office/drawing/2010/main" val="0"/>
-              </a:ext>
-            </a:extLst>
-          </a:blip>
-          <a:srcRect/>
-          <a:stretch>
-            <a:fillRect/>
-          </a:stretch>
-        </p:blipFill>
-        <p:spPr bwMode="auto">
-          <a:xfrm>
-            <a:off x="279400" y="1795330"/>
-            <a:ext cx="4810839" cy="2833820"/>
-          </a:xfrm>
-          <a:prstGeom prst="rect">
-            <a:avLst/>
-          </a:prstGeom>
-          <a:noFill/>
-          <a:extLst>
-            <a:ext uri="{909E8E84-426E-40DD-AFC4-6F175D3DCCD1}">
-              <a14:hiddenFill xmlns:a14="http://schemas.microsoft.com/office/drawing/2010/main">
-                <a:solidFill>
-                  <a:srgbClr val="FFFFFF"/>
-                </a:solidFill>
-              </a14:hiddenFill>
-            </a:ext>
-          </a:extLst>
-        </p:spPr>
-      </p:pic>
-      <p:pic>
-        <p:nvPicPr>
-          <p:cNvPr id="3076" name="Picture 4" descr="Image result for scatterplot trend line"/>
-          <p:cNvPicPr>
-            <a:picLocks noChangeAspect="1" noChangeArrowheads="1"/>
-          </p:cNvPicPr>
-          <p:nvPr/>
-        </p:nvPicPr>
-        <p:blipFill>
-          <a:blip r:embed="rId4">
-            <a:extLst>
-              <a:ext uri="{28A0092B-C50C-407E-A947-70E740481C1C}">
-                <a14:useLocalDpi xmlns:a14="http://schemas.microsoft.com/office/drawing/2010/main" val="0"/>
-              </a:ext>
-            </a:extLst>
-          </a:blip>
-          <a:srcRect/>
-          <a:stretch>
-            <a:fillRect/>
-          </a:stretch>
-        </p:blipFill>
-        <p:spPr bwMode="auto">
-          <a:xfrm>
-            <a:off x="5781674" y="3282090"/>
-            <a:ext cx="2879725" cy="2971146"/>
-          </a:xfrm>
-          <a:prstGeom prst="rect">
-            <a:avLst/>
-          </a:prstGeom>
-          <a:noFill/>
-          <a:extLst>
-            <a:ext uri="{909E8E84-426E-40DD-AFC4-6F175D3DCCD1}">
-              <a14:hiddenFill xmlns:a14="http://schemas.microsoft.com/office/drawing/2010/main">
-                <a:solidFill>
-                  <a:srgbClr val="FFFFFF"/>
-                </a:solidFill>
-              </a14:hiddenFill>
-            </a:ext>
-          </a:extLst>
-        </p:spPr>
-      </p:pic>
-    </p:spTree>
-  </p:cSld>
-  <p:clrMapOvr>
-    <a:masterClrMapping/>
-  </p:clrMapOvr>
-</p:sld>
-</file>
-
-<file path=ppt/slides/slide11.xml><?xml version="1.0" encoding="utf-8"?>
-<p:sld xmlns:a="http://schemas.openxmlformats.org/drawingml/2006/main" xmlns:r="http://schemas.openxmlformats.org/officeDocument/2006/relationships" xmlns:p="http://schemas.openxmlformats.org/presentationml/2006/main">
-  <p:cSld>
-    <p:bg>
-      <p:bgPr>
-        <a:solidFill>
-          <a:schemeClr val="dk1"/>
-        </a:solidFill>
-        <a:effectLst/>
-      </p:bgPr>
-    </p:bg>
-    <p:spTree>
-      <p:nvGrpSpPr>
-        <p:cNvPr id="1" name="Shape 160"/>
-        <p:cNvGrpSpPr/>
-        <p:nvPr/>
-      </p:nvGrpSpPr>
-      <p:grpSpPr>
-        <a:xfrm>
-          <a:off x="0" y="0"/>
-          <a:ext cx="0" cy="0"/>
-          <a:chOff x="0" y="0"/>
-          <a:chExt cx="0" cy="0"/>
-        </a:xfrm>
-      </p:grpSpPr>
-      <p:sp>
-        <p:nvSpPr>
-          <p:cNvPr id="161" name="Shape 161"/>
-          <p:cNvSpPr txBox="1"/>
-          <p:nvPr/>
-        </p:nvSpPr>
-        <p:spPr>
-          <a:xfrm>
             <a:off x="914400" y="2133600"/>
             <a:ext cx="7291907" cy="1569660"/>
           </a:xfrm>
@@ -17654,7 +17286,7 @@
 </p:sld>
 </file>
 
-<file path=ppt/slides/slide12.xml><?xml version="1.0" encoding="utf-8"?>
+<file path=ppt/slides/slide11.xml><?xml version="1.0" encoding="utf-8"?>
 <p:sld xmlns:a="http://schemas.openxmlformats.org/drawingml/2006/main" xmlns:r="http://schemas.openxmlformats.org/officeDocument/2006/relationships" xmlns:p="http://schemas.openxmlformats.org/presentationml/2006/main">
   <p:cSld>
     <p:bg>
@@ -17862,7 +17494,7 @@
 </p:sld>
 </file>
 
-<file path=ppt/slides/slide13.xml><?xml version="1.0" encoding="utf-8"?>
+<file path=ppt/slides/slide12.xml><?xml version="1.0" encoding="utf-8"?>
 <p:sld xmlns:a="http://schemas.openxmlformats.org/drawingml/2006/main" xmlns:r="http://schemas.openxmlformats.org/officeDocument/2006/relationships" xmlns:p="http://schemas.openxmlformats.org/presentationml/2006/main">
   <p:cSld>
     <p:bg>
@@ -18043,7 +17675,7 @@
 </p:sld>
 </file>
 
-<file path=ppt/slides/slide14.xml><?xml version="1.0" encoding="utf-8"?>
+<file path=ppt/slides/slide13.xml><?xml version="1.0" encoding="utf-8"?>
 <p:sld xmlns:a="http://schemas.openxmlformats.org/drawingml/2006/main" xmlns:r="http://schemas.openxmlformats.org/officeDocument/2006/relationships" xmlns:p="http://schemas.openxmlformats.org/presentationml/2006/main">
   <p:cSld>
     <p:bg>
@@ -18198,7 +17830,7 @@
 </p:sld>
 </file>
 
-<file path=ppt/slides/slide15.xml><?xml version="1.0" encoding="utf-8"?>
+<file path=ppt/slides/slide14.xml><?xml version="1.0" encoding="utf-8"?>
 <p:sld xmlns:a="http://schemas.openxmlformats.org/drawingml/2006/main" xmlns:r="http://schemas.openxmlformats.org/officeDocument/2006/relationships" xmlns:p="http://schemas.openxmlformats.org/presentationml/2006/main">
   <p:cSld>
     <p:bg>
@@ -18352,7 +17984,7 @@
 </p:sld>
 </file>
 
-<file path=ppt/slides/slide16.xml><?xml version="1.0" encoding="utf-8"?>
+<file path=ppt/slides/slide15.xml><?xml version="1.0" encoding="utf-8"?>
 <p:sld xmlns:a="http://schemas.openxmlformats.org/drawingml/2006/main" xmlns:r="http://schemas.openxmlformats.org/officeDocument/2006/relationships" xmlns:p="http://schemas.openxmlformats.org/presentationml/2006/main">
   <p:cSld>
     <p:bg>
@@ -18584,7 +18216,7 @@
 </p:sld>
 </file>
 
-<file path=ppt/slides/slide17.xml><?xml version="1.0" encoding="utf-8"?>
+<file path=ppt/slides/slide16.xml><?xml version="1.0" encoding="utf-8"?>
 <p:sld xmlns:a="http://schemas.openxmlformats.org/drawingml/2006/main" xmlns:r="http://schemas.openxmlformats.org/officeDocument/2006/relationships" xmlns:p="http://schemas.openxmlformats.org/presentationml/2006/main">
   <p:cSld>
     <p:bg>
@@ -18739,7 +18371,7 @@
 </p:sld>
 </file>
 
-<file path=ppt/slides/slide18.xml><?xml version="1.0" encoding="utf-8"?>
+<file path=ppt/slides/slide17.xml><?xml version="1.0" encoding="utf-8"?>
 <p:sld xmlns:a="http://schemas.openxmlformats.org/drawingml/2006/main" xmlns:r="http://schemas.openxmlformats.org/officeDocument/2006/relationships" xmlns:p="http://schemas.openxmlformats.org/presentationml/2006/main">
   <p:cSld>
     <p:bg>
@@ -18826,7 +18458,7 @@
 </p:sld>
 </file>
 
-<file path=ppt/slides/slide19.xml><?xml version="1.0" encoding="utf-8"?>
+<file path=ppt/slides/slide18.xml><?xml version="1.0" encoding="utf-8"?>
 <p:sld xmlns:a="http://schemas.openxmlformats.org/drawingml/2006/main" xmlns:r="http://schemas.openxmlformats.org/officeDocument/2006/relationships" xmlns:p="http://schemas.openxmlformats.org/presentationml/2006/main">
   <p:cSld>
     <p:bg>
@@ -19156,138 +18788,7 @@
 </p:sld>
 </file>
 
-<file path=ppt/slides/slide2.xml><?xml version="1.0" encoding="utf-8"?>
-<p:sld xmlns:a="http://schemas.openxmlformats.org/drawingml/2006/main" xmlns:r="http://schemas.openxmlformats.org/officeDocument/2006/relationships" xmlns:p="http://schemas.openxmlformats.org/presentationml/2006/main">
-  <p:cSld>
-    <p:bg>
-      <p:bgPr>
-        <a:solidFill>
-          <a:schemeClr val="dk1"/>
-        </a:solidFill>
-        <a:effectLst/>
-      </p:bgPr>
-    </p:bg>
-    <p:spTree>
-      <p:nvGrpSpPr>
-        <p:cNvPr id="1" name="Shape 96"/>
-        <p:cNvGrpSpPr/>
-        <p:nvPr/>
-      </p:nvGrpSpPr>
-      <p:grpSpPr>
-        <a:xfrm>
-          <a:off x="0" y="0"/>
-          <a:ext cx="0" cy="0"/>
-          <a:chOff x="0" y="0"/>
-          <a:chExt cx="0" cy="0"/>
-        </a:xfrm>
-      </p:grpSpPr>
-      <p:sp>
-        <p:nvSpPr>
-          <p:cNvPr id="97" name="Shape 97"/>
-          <p:cNvSpPr txBox="1">
-            <a:spLocks noGrp="1"/>
-          </p:cNvSpPr>
-          <p:nvPr>
-            <p:ph type="ctrTitle"/>
-          </p:nvPr>
-        </p:nvSpPr>
-        <p:spPr>
-          <a:xfrm>
-            <a:off x="249000" y="1690111"/>
-            <a:ext cx="8646000" cy="1581600"/>
-          </a:xfrm>
-          <a:prstGeom prst="rect">
-            <a:avLst/>
-          </a:prstGeom>
-          <a:noFill/>
-          <a:ln>
-            <a:noFill/>
-          </a:ln>
-        </p:spPr>
-        <p:txBody>
-          <a:bodyPr lIns="91425" tIns="45700" rIns="91425" bIns="45700" anchor="ctr" anchorCtr="0">
-            <a:noAutofit/>
-          </a:bodyPr>
-          <a:lstStyle/>
-          <a:p>
-            <a:pPr marL="0" marR="0" lvl="0" indent="0" algn="ctr" rtl="0">
-              <a:spcBef>
-                <a:spcPts val="0"/>
-              </a:spcBef>
-              <a:buClr>
-                <a:srgbClr val="FFFF66"/>
-              </a:buClr>
-              <a:buSzPct val="25000"/>
-              <a:buFont typeface="Calibri"/>
-              <a:buNone/>
-            </a:pPr>
-            <a:r>
-              <a:rPr lang="en-US" sz="3959">
-                <a:solidFill>
-                  <a:srgbClr val="FFFF66"/>
-                </a:solidFill>
-              </a:rPr>
-              <a:t>Reminder: Complete the introductory survey!</a:t>
-            </a:r>
-          </a:p>
-        </p:txBody>
-      </p:sp>
-      <p:sp>
-        <p:nvSpPr>
-          <p:cNvPr id="98" name="Shape 98"/>
-          <p:cNvSpPr txBox="1"/>
-          <p:nvPr/>
-        </p:nvSpPr>
-        <p:spPr>
-          <a:xfrm>
-            <a:off x="1132742" y="5791201"/>
-            <a:ext cx="2058600" cy="246300"/>
-          </a:xfrm>
-          <a:prstGeom prst="rect">
-            <a:avLst/>
-          </a:prstGeom>
-          <a:noFill/>
-          <a:ln>
-            <a:noFill/>
-          </a:ln>
-        </p:spPr>
-        <p:txBody>
-          <a:bodyPr lIns="91425" tIns="45700" rIns="91425" bIns="45700" anchor="t" anchorCtr="0">
-            <a:noAutofit/>
-          </a:bodyPr>
-          <a:lstStyle/>
-          <a:p>
-            <a:pPr marL="0" marR="0" lvl="0" indent="0" algn="l" rtl="0">
-              <a:spcBef>
-                <a:spcPts val="0"/>
-              </a:spcBef>
-              <a:buSzPct val="25000"/>
-              <a:buNone/>
-            </a:pPr>
-            <a:r>
-              <a:rPr lang="en-US" sz="1000" b="0" i="0" u="none" strike="noStrike" cap="none">
-                <a:solidFill>
-                  <a:schemeClr val="dk1"/>
-                </a:solidFill>
-                <a:latin typeface="Calibri"/>
-                <a:ea typeface="Calibri"/>
-                <a:cs typeface="Calibri"/>
-                <a:sym typeface="Calibri"/>
-              </a:rPr>
-              <a:t>http://blog.forwardmapworks.com/</a:t>
-            </a:r>
-          </a:p>
-        </p:txBody>
-      </p:sp>
-    </p:spTree>
-  </p:cSld>
-  <p:clrMapOvr>
-    <a:masterClrMapping/>
-  </p:clrMapOvr>
-</p:sld>
-</file>
-
-<file path=ppt/slides/slide20.xml><?xml version="1.0" encoding="utf-8"?>
+<file path=ppt/slides/slide19.xml><?xml version="1.0" encoding="utf-8"?>
 <p:sld xmlns:a="http://schemas.openxmlformats.org/drawingml/2006/main" xmlns:r="http://schemas.openxmlformats.org/officeDocument/2006/relationships" xmlns:p="http://schemas.openxmlformats.org/presentationml/2006/main">
   <p:cSld>
     <p:bg>
@@ -19636,7 +19137,154 @@
 </p:sld>
 </file>
 
-<file path=ppt/slides/slide21.xml><?xml version="1.0" encoding="utf-8"?>
+<file path=ppt/slides/slide2.xml><?xml version="1.0" encoding="utf-8"?>
+<p:sld xmlns:a="http://schemas.openxmlformats.org/drawingml/2006/main" xmlns:r="http://schemas.openxmlformats.org/officeDocument/2006/relationships" xmlns:p="http://schemas.openxmlformats.org/presentationml/2006/main">
+  <p:cSld>
+    <p:bg>
+      <p:bgPr>
+        <a:solidFill>
+          <a:schemeClr val="dk1"/>
+        </a:solidFill>
+        <a:effectLst/>
+      </p:bgPr>
+    </p:bg>
+    <p:spTree>
+      <p:nvGrpSpPr>
+        <p:cNvPr id="1" name="Shape 103"/>
+        <p:cNvGrpSpPr/>
+        <p:nvPr/>
+      </p:nvGrpSpPr>
+      <p:grpSpPr>
+        <a:xfrm>
+          <a:off x="0" y="0"/>
+          <a:ext cx="0" cy="0"/>
+          <a:chOff x="0" y="0"/>
+          <a:chExt cx="0" cy="0"/>
+        </a:xfrm>
+      </p:grpSpPr>
+      <p:sp>
+        <p:nvSpPr>
+          <p:cNvPr id="104" name="Shape 104"/>
+          <p:cNvSpPr txBox="1">
+            <a:spLocks noGrp="1"/>
+          </p:cNvSpPr>
+          <p:nvPr>
+            <p:ph type="ctrTitle"/>
+          </p:nvPr>
+        </p:nvSpPr>
+        <p:spPr>
+          <a:xfrm>
+            <a:off x="249000" y="1690111"/>
+            <a:ext cx="8646000" cy="1581600"/>
+          </a:xfrm>
+          <a:prstGeom prst="rect">
+            <a:avLst/>
+          </a:prstGeom>
+          <a:noFill/>
+          <a:ln>
+            <a:noFill/>
+          </a:ln>
+        </p:spPr>
+        <p:txBody>
+          <a:bodyPr lIns="91425" tIns="45700" rIns="91425" bIns="45700" anchor="ctr" anchorCtr="0">
+            <a:noAutofit/>
+          </a:bodyPr>
+          <a:lstStyle/>
+          <a:p>
+            <a:pPr marL="0" marR="0" lvl="0" indent="0" algn="ctr" rtl="0">
+              <a:spcBef>
+                <a:spcPts val="0"/>
+              </a:spcBef>
+              <a:buClr>
+                <a:srgbClr val="FFFF66"/>
+              </a:buClr>
+              <a:buSzPct val="25000"/>
+              <a:buFont typeface="Calibri"/>
+              <a:buNone/>
+            </a:pPr>
+            <a:r>
+              <a:rPr lang="en-US" sz="3959">
+                <a:solidFill>
+                  <a:srgbClr val="FFFF66"/>
+                </a:solidFill>
+              </a:rPr>
+              <a:t>What are the main </a:t>
+            </a:r>
+            <a:r>
+              <a:rPr lang="en-US" sz="3959" b="1" i="1">
+                <a:solidFill>
+                  <a:srgbClr val="FFFF66"/>
+                </a:solidFill>
+              </a:rPr>
+              <a:t>strengths</a:t>
+            </a:r>
+            <a:r>
+              <a:rPr lang="en-US" sz="3959">
+                <a:solidFill>
+                  <a:srgbClr val="FFFF66"/>
+                </a:solidFill>
+              </a:rPr>
+              <a:t> of quantitative research/statistics?</a:t>
+            </a:r>
+          </a:p>
+        </p:txBody>
+      </p:sp>
+      <p:sp>
+        <p:nvSpPr>
+          <p:cNvPr id="105" name="Shape 105"/>
+          <p:cNvSpPr txBox="1"/>
+          <p:nvPr/>
+        </p:nvSpPr>
+        <p:spPr>
+          <a:xfrm>
+            <a:off x="1132742" y="5791201"/>
+            <a:ext cx="2058600" cy="246300"/>
+          </a:xfrm>
+          <a:prstGeom prst="rect">
+            <a:avLst/>
+          </a:prstGeom>
+          <a:noFill/>
+          <a:ln>
+            <a:noFill/>
+          </a:ln>
+        </p:spPr>
+        <p:txBody>
+          <a:bodyPr lIns="91425" tIns="45700" rIns="91425" bIns="45700" anchor="t" anchorCtr="0">
+            <a:noAutofit/>
+          </a:bodyPr>
+          <a:lstStyle/>
+          <a:p>
+            <a:pPr marL="0" marR="0" lvl="0" indent="0" algn="l" rtl="0">
+              <a:spcBef>
+                <a:spcPts val="0"/>
+              </a:spcBef>
+              <a:buSzPct val="25000"/>
+              <a:buNone/>
+            </a:pPr>
+            <a:r>
+              <a:rPr lang="en-US" sz="1000" b="0" i="0" u="none" strike="noStrike" cap="none">
+                <a:solidFill>
+                  <a:schemeClr val="dk1"/>
+                </a:solidFill>
+                <a:latin typeface="Calibri"/>
+                <a:ea typeface="Calibri"/>
+                <a:cs typeface="Calibri"/>
+                <a:sym typeface="Calibri"/>
+              </a:rPr>
+              <a:t>http://blog.forwardmapworks.com/</a:t>
+            </a:r>
+          </a:p>
+        </p:txBody>
+      </p:sp>
+    </p:spTree>
+  </p:cSld>
+  <p:clrMapOvr>
+    <a:masterClrMapping/>
+  </p:clrMapOvr>
+</p:sld>
+</file>
+
+<file path=ppt/slides/slide20.xml><?xml version="1.0" encoding="utf-8"?>
 <p:sld xmlns:a="http://schemas.openxmlformats.org/drawingml/2006/main" xmlns:r="http://schemas.openxmlformats.org/officeDocument/2006/relationships" xmlns:p="http://schemas.openxmlformats.org/presentationml/2006/main">
   <p:cSld>
     <p:bg>
@@ -20012,6 +19660,407 @@
 </p:sld>
 </file>
 
+<file path=ppt/slides/slide21.xml><?xml version="1.0" encoding="utf-8"?>
+<p:sld xmlns:a="http://schemas.openxmlformats.org/drawingml/2006/main" xmlns:r="http://schemas.openxmlformats.org/officeDocument/2006/relationships" xmlns:p="http://schemas.openxmlformats.org/presentationml/2006/main">
+  <p:cSld>
+    <p:bg>
+      <p:bgPr>
+        <a:solidFill>
+          <a:schemeClr val="dk1"/>
+        </a:solidFill>
+        <a:effectLst/>
+      </p:bgPr>
+    </p:bg>
+    <p:spTree>
+      <p:nvGrpSpPr>
+        <p:cNvPr id="1" name="Shape 251"/>
+        <p:cNvGrpSpPr/>
+        <p:nvPr/>
+      </p:nvGrpSpPr>
+      <p:grpSpPr>
+        <a:xfrm>
+          <a:off x="0" y="0"/>
+          <a:ext cx="0" cy="0"/>
+          <a:chOff x="0" y="0"/>
+          <a:chExt cx="0" cy="0"/>
+        </a:xfrm>
+      </p:grpSpPr>
+      <p:sp>
+        <p:nvSpPr>
+          <p:cNvPr id="252" name="Shape 252"/>
+          <p:cNvSpPr txBox="1"/>
+          <p:nvPr/>
+        </p:nvSpPr>
+        <p:spPr>
+          <a:xfrm>
+            <a:off x="76200" y="76200"/>
+            <a:ext cx="8794403" cy="1938900"/>
+          </a:xfrm>
+          <a:prstGeom prst="rect">
+            <a:avLst/>
+          </a:prstGeom>
+          <a:noFill/>
+          <a:ln>
+            <a:noFill/>
+          </a:ln>
+        </p:spPr>
+        <p:txBody>
+          <a:bodyPr lIns="91425" tIns="45700" rIns="91425" bIns="45700" anchor="t" anchorCtr="0">
+            <a:noAutofit/>
+          </a:bodyPr>
+          <a:lstStyle/>
+          <a:p>
+            <a:pPr lvl="0">
+              <a:buSzPct val="25000"/>
+            </a:pPr>
+            <a:br>
+              <a:rPr lang="en-US" sz="3600" dirty="0">
+                <a:solidFill>
+                  <a:srgbClr val="FFFF66"/>
+                </a:solidFill>
+                <a:latin typeface="Calibri"/>
+                <a:ea typeface="Calibri"/>
+                <a:cs typeface="Calibri"/>
+                <a:sym typeface="Calibri"/>
+              </a:rPr>
+            </a:br>
+            <a:r>
+              <a:rPr lang="en-US" sz="3600" dirty="0">
+                <a:solidFill>
+                  <a:srgbClr val="FFFF66"/>
+                </a:solidFill>
+                <a:latin typeface="Calibri"/>
+                <a:ea typeface="Calibri"/>
+                <a:cs typeface="Calibri"/>
+                <a:sym typeface="Calibri"/>
+              </a:rPr>
+              <a:t>“The recent explosion of data is not only a quantitative change in the </a:t>
+            </a:r>
+            <a:r>
+              <a:rPr lang="en-US" sz="3600" i="1" dirty="0">
+                <a:solidFill>
+                  <a:srgbClr val="FFFF66"/>
+                </a:solidFill>
+                <a:latin typeface="Calibri"/>
+                <a:ea typeface="Calibri"/>
+                <a:cs typeface="Calibri"/>
+                <a:sym typeface="Calibri"/>
+              </a:rPr>
+              <a:t>amount</a:t>
+            </a:r>
+            <a:r>
+              <a:rPr lang="en-US" sz="3600" dirty="0">
+                <a:solidFill>
+                  <a:srgbClr val="FFFF66"/>
+                </a:solidFill>
+                <a:latin typeface="Calibri"/>
+                <a:ea typeface="Calibri"/>
+                <a:cs typeface="Calibri"/>
+                <a:sym typeface="Calibri"/>
+              </a:rPr>
+              <a:t> of digital, machine‐readable information</a:t>
+            </a:r>
+          </a:p>
+          <a:p>
+            <a:pPr lvl="0">
+              <a:buSzPct val="25000"/>
+            </a:pPr>
+            <a:r>
+              <a:rPr lang="en-US" sz="3600" dirty="0">
+                <a:solidFill>
+                  <a:srgbClr val="FFFF66"/>
+                </a:solidFill>
+                <a:latin typeface="Calibri"/>
+                <a:ea typeface="Calibri"/>
+                <a:cs typeface="Calibri"/>
+                <a:sym typeface="Calibri"/>
+              </a:rPr>
+              <a:t>at the fingertips of researchers and industry, it is also a profoundly </a:t>
+            </a:r>
+            <a:r>
+              <a:rPr lang="en-US" sz="3600" i="1" dirty="0">
+                <a:solidFill>
+                  <a:srgbClr val="FFFF66"/>
+                </a:solidFill>
+                <a:latin typeface="Calibri"/>
+                <a:ea typeface="Calibri"/>
+                <a:cs typeface="Calibri"/>
+                <a:sym typeface="Calibri"/>
+              </a:rPr>
+              <a:t>qualitative change</a:t>
+            </a:r>
+            <a:r>
+              <a:rPr lang="en-US" sz="3600" dirty="0">
+                <a:solidFill>
+                  <a:srgbClr val="FFFF66"/>
+                </a:solidFill>
+                <a:latin typeface="Calibri"/>
+                <a:ea typeface="Calibri"/>
+                <a:cs typeface="Calibri"/>
+                <a:sym typeface="Calibri"/>
+              </a:rPr>
+              <a:t> in how we think about, and work with, data. In this respect, Data Science is an already existing effort to make sense of, and </a:t>
+            </a:r>
+            <a:r>
+              <a:rPr lang="en-US" sz="3600" dirty="0" err="1">
+                <a:solidFill>
+                  <a:srgbClr val="FFFF66"/>
+                </a:solidFill>
+                <a:latin typeface="Calibri"/>
+                <a:ea typeface="Calibri"/>
+                <a:cs typeface="Calibri"/>
+                <a:sym typeface="Calibri"/>
+              </a:rPr>
+              <a:t>synthesise</a:t>
+            </a:r>
+            <a:r>
+              <a:rPr lang="en-US" sz="3600" dirty="0">
+                <a:solidFill>
+                  <a:srgbClr val="FFFF66"/>
+                </a:solidFill>
+                <a:latin typeface="Calibri"/>
+                <a:ea typeface="Calibri"/>
+                <a:cs typeface="Calibri"/>
+                <a:sym typeface="Calibri"/>
+              </a:rPr>
+              <a:t> the most appropriate ways to cope with, this ‘brave new world.’”</a:t>
+            </a:r>
+            <a:endParaRPr sz="3600" dirty="0">
+              <a:solidFill>
+                <a:srgbClr val="FFFF66"/>
+              </a:solidFill>
+              <a:latin typeface="Calibri"/>
+              <a:ea typeface="Calibri"/>
+              <a:cs typeface="Calibri"/>
+              <a:sym typeface="Calibri"/>
+            </a:endParaRPr>
+          </a:p>
+        </p:txBody>
+      </p:sp>
+      <p:sp>
+        <p:nvSpPr>
+          <p:cNvPr id="253" name="Shape 253" descr="http://developer.r-project.org/Logo/Rlogo.svg"/>
+          <p:cNvSpPr/>
+          <p:nvPr/>
+        </p:nvSpPr>
+        <p:spPr>
+          <a:xfrm>
+            <a:off x="155575" y="-144463"/>
+            <a:ext cx="304799" cy="304801"/>
+          </a:xfrm>
+          <a:prstGeom prst="rect">
+            <a:avLst/>
+          </a:prstGeom>
+          <a:noFill/>
+          <a:ln>
+            <a:noFill/>
+          </a:ln>
+        </p:spPr>
+        <p:txBody>
+          <a:bodyPr lIns="91425" tIns="45700" rIns="91425" bIns="45700" anchor="t" anchorCtr="0">
+            <a:noAutofit/>
+          </a:bodyPr>
+          <a:lstStyle/>
+          <a:p>
+            <a:pPr marL="0" marR="0" lvl="0" indent="0" algn="l" rtl="0">
+              <a:spcBef>
+                <a:spcPts val="0"/>
+              </a:spcBef>
+              <a:buNone/>
+            </a:pPr>
+            <a:endParaRPr sz="1800">
+              <a:solidFill>
+                <a:schemeClr val="dk1"/>
+              </a:solidFill>
+              <a:latin typeface="Calibri"/>
+              <a:ea typeface="Calibri"/>
+              <a:cs typeface="Calibri"/>
+              <a:sym typeface="Calibri"/>
+            </a:endParaRPr>
+          </a:p>
+        </p:txBody>
+      </p:sp>
+      <p:sp>
+        <p:nvSpPr>
+          <p:cNvPr id="254" name="Shape 254" descr="http://developer.r-project.org/Logo/Rlogo.svg"/>
+          <p:cNvSpPr/>
+          <p:nvPr/>
+        </p:nvSpPr>
+        <p:spPr>
+          <a:xfrm>
+            <a:off x="307975" y="7937"/>
+            <a:ext cx="304799" cy="304801"/>
+          </a:xfrm>
+          <a:prstGeom prst="rect">
+            <a:avLst/>
+          </a:prstGeom>
+          <a:noFill/>
+          <a:ln>
+            <a:noFill/>
+          </a:ln>
+        </p:spPr>
+        <p:txBody>
+          <a:bodyPr lIns="91425" tIns="45700" rIns="91425" bIns="45700" anchor="t" anchorCtr="0">
+            <a:noAutofit/>
+          </a:bodyPr>
+          <a:lstStyle/>
+          <a:p>
+            <a:pPr marL="0" marR="0" lvl="0" indent="0" algn="l" rtl="0">
+              <a:spcBef>
+                <a:spcPts val="0"/>
+              </a:spcBef>
+              <a:buNone/>
+            </a:pPr>
+            <a:endParaRPr sz="1800">
+              <a:solidFill>
+                <a:schemeClr val="dk1"/>
+              </a:solidFill>
+              <a:latin typeface="Calibri"/>
+              <a:ea typeface="Calibri"/>
+              <a:cs typeface="Calibri"/>
+              <a:sym typeface="Calibri"/>
+            </a:endParaRPr>
+          </a:p>
+        </p:txBody>
+      </p:sp>
+      <p:sp>
+        <p:nvSpPr>
+          <p:cNvPr id="255" name="Shape 255" descr="http://developer.r-project.org/Logo/Rlogo.svg"/>
+          <p:cNvSpPr/>
+          <p:nvPr/>
+        </p:nvSpPr>
+        <p:spPr>
+          <a:xfrm>
+            <a:off x="460375" y="160336"/>
+            <a:ext cx="304799" cy="304801"/>
+          </a:xfrm>
+          <a:prstGeom prst="rect">
+            <a:avLst/>
+          </a:prstGeom>
+          <a:noFill/>
+          <a:ln>
+            <a:noFill/>
+          </a:ln>
+        </p:spPr>
+        <p:txBody>
+          <a:bodyPr lIns="91425" tIns="45700" rIns="91425" bIns="45700" anchor="t" anchorCtr="0">
+            <a:noAutofit/>
+          </a:bodyPr>
+          <a:lstStyle/>
+          <a:p>
+            <a:pPr marL="0" marR="0" lvl="0" indent="0" algn="l" rtl="0">
+              <a:spcBef>
+                <a:spcPts val="0"/>
+              </a:spcBef>
+              <a:buNone/>
+            </a:pPr>
+            <a:endParaRPr sz="1800">
+              <a:solidFill>
+                <a:schemeClr val="dk1"/>
+              </a:solidFill>
+              <a:latin typeface="Calibri"/>
+              <a:ea typeface="Calibri"/>
+              <a:cs typeface="Calibri"/>
+              <a:sym typeface="Calibri"/>
+            </a:endParaRPr>
+          </a:p>
+        </p:txBody>
+      </p:sp>
+      <p:sp>
+        <p:nvSpPr>
+          <p:cNvPr id="256" name="Shape 256" descr="http://developer.r-project.org/Logo/Rlogo.svg"/>
+          <p:cNvSpPr/>
+          <p:nvPr/>
+        </p:nvSpPr>
+        <p:spPr>
+          <a:xfrm>
+            <a:off x="612775" y="312737"/>
+            <a:ext cx="304799" cy="304801"/>
+          </a:xfrm>
+          <a:prstGeom prst="rect">
+            <a:avLst/>
+          </a:prstGeom>
+          <a:noFill/>
+          <a:ln>
+            <a:noFill/>
+          </a:ln>
+        </p:spPr>
+        <p:txBody>
+          <a:bodyPr lIns="91425" tIns="45700" rIns="91425" bIns="45700" anchor="t" anchorCtr="0">
+            <a:noAutofit/>
+          </a:bodyPr>
+          <a:lstStyle/>
+          <a:p>
+            <a:pPr marL="0" marR="0" lvl="0" indent="0" algn="l" rtl="0">
+              <a:spcBef>
+                <a:spcPts val="0"/>
+              </a:spcBef>
+              <a:buNone/>
+            </a:pPr>
+            <a:endParaRPr sz="1800">
+              <a:solidFill>
+                <a:schemeClr val="dk1"/>
+              </a:solidFill>
+              <a:latin typeface="Calibri"/>
+              <a:ea typeface="Calibri"/>
+              <a:cs typeface="Calibri"/>
+              <a:sym typeface="Calibri"/>
+            </a:endParaRPr>
+          </a:p>
+        </p:txBody>
+      </p:sp>
+      <p:sp>
+        <p:nvSpPr>
+          <p:cNvPr id="2" name="AutoShape 6" descr="Image result for r"/>
+          <p:cNvSpPr>
+            <a:spLocks noChangeAspect="1" noChangeArrowheads="1"/>
+          </p:cNvSpPr>
+          <p:nvPr/>
+        </p:nvSpPr>
+        <p:spPr bwMode="auto">
+          <a:xfrm>
+            <a:off x="765175" y="465137"/>
+            <a:ext cx="304800" cy="304801"/>
+          </a:xfrm>
+          <a:prstGeom prst="rect">
+            <a:avLst/>
+          </a:prstGeom>
+          <a:noFill/>
+          <a:extLst>
+            <a:ext uri="{909E8E84-426E-40DD-AFC4-6F175D3DCCD1}">
+              <a14:hiddenFill xmlns:a14="http://schemas.microsoft.com/office/drawing/2010/main">
+                <a:solidFill>
+                  <a:srgbClr val="FFFFFF"/>
+                </a:solidFill>
+              </a14:hiddenFill>
+            </a:ext>
+          </a:extLst>
+        </p:spPr>
+        <p:txBody>
+          <a:bodyPr vert="horz" wrap="square" lIns="91440" tIns="45720" rIns="91440" bIns="45720" numCol="1" anchor="t" anchorCtr="0" compatLnSpc="1">
+            <a:prstTxWarp prst="textNoShape">
+              <a:avLst/>
+            </a:prstTxWarp>
+          </a:bodyPr>
+          <a:lstStyle/>
+          <a:p>
+            <a:endParaRPr lang="en-US"/>
+          </a:p>
+        </p:txBody>
+      </p:sp>
+    </p:spTree>
+    <p:extLst>
+      <p:ext uri="{BB962C8B-B14F-4D97-AF65-F5344CB8AC3E}">
+        <p14:creationId xmlns:p14="http://schemas.microsoft.com/office/powerpoint/2010/main" val="1567498745"/>
+      </p:ext>
+    </p:extLst>
+  </p:cSld>
+  <p:clrMapOvr>
+    <a:masterClrMapping/>
+  </p:clrMapOvr>
+</p:sld>
+</file>
+
 <file path=ppt/slides/slide22.xml><?xml version="1.0" encoding="utf-8"?>
 <p:sld xmlns:a="http://schemas.openxmlformats.org/drawingml/2006/main" xmlns:r="http://schemas.openxmlformats.org/officeDocument/2006/relationships" xmlns:p="http://schemas.openxmlformats.org/presentationml/2006/main">
   <p:cSld>
@@ -20062,407 +20111,6 @@
           </a:bodyPr>
           <a:lstStyle/>
           <a:p>
-            <a:pPr lvl="0">
-              <a:buSzPct val="25000"/>
-            </a:pPr>
-            <a:br>
-              <a:rPr lang="en-US" sz="3600" dirty="0">
-                <a:solidFill>
-                  <a:srgbClr val="FFFF66"/>
-                </a:solidFill>
-                <a:latin typeface="Calibri"/>
-                <a:ea typeface="Calibri"/>
-                <a:cs typeface="Calibri"/>
-                <a:sym typeface="Calibri"/>
-              </a:rPr>
-            </a:br>
-            <a:r>
-              <a:rPr lang="en-US" sz="3600" dirty="0">
-                <a:solidFill>
-                  <a:srgbClr val="FFFF66"/>
-                </a:solidFill>
-                <a:latin typeface="Calibri"/>
-                <a:ea typeface="Calibri"/>
-                <a:cs typeface="Calibri"/>
-                <a:sym typeface="Calibri"/>
-              </a:rPr>
-              <a:t>“The recent explosion of data is not only a quantitative change in the </a:t>
-            </a:r>
-            <a:r>
-              <a:rPr lang="en-US" sz="3600" i="1" dirty="0">
-                <a:solidFill>
-                  <a:srgbClr val="FFFF66"/>
-                </a:solidFill>
-                <a:latin typeface="Calibri"/>
-                <a:ea typeface="Calibri"/>
-                <a:cs typeface="Calibri"/>
-                <a:sym typeface="Calibri"/>
-              </a:rPr>
-              <a:t>amount</a:t>
-            </a:r>
-            <a:r>
-              <a:rPr lang="en-US" sz="3600" dirty="0">
-                <a:solidFill>
-                  <a:srgbClr val="FFFF66"/>
-                </a:solidFill>
-                <a:latin typeface="Calibri"/>
-                <a:ea typeface="Calibri"/>
-                <a:cs typeface="Calibri"/>
-                <a:sym typeface="Calibri"/>
-              </a:rPr>
-              <a:t> of digital, machine‐readable information</a:t>
-            </a:r>
-          </a:p>
-          <a:p>
-            <a:pPr lvl="0">
-              <a:buSzPct val="25000"/>
-            </a:pPr>
-            <a:r>
-              <a:rPr lang="en-US" sz="3600" dirty="0">
-                <a:solidFill>
-                  <a:srgbClr val="FFFF66"/>
-                </a:solidFill>
-                <a:latin typeface="Calibri"/>
-                <a:ea typeface="Calibri"/>
-                <a:cs typeface="Calibri"/>
-                <a:sym typeface="Calibri"/>
-              </a:rPr>
-              <a:t>at the fingertips of researchers and industry, it is also a profoundly </a:t>
-            </a:r>
-            <a:r>
-              <a:rPr lang="en-US" sz="3600" i="1" dirty="0">
-                <a:solidFill>
-                  <a:srgbClr val="FFFF66"/>
-                </a:solidFill>
-                <a:latin typeface="Calibri"/>
-                <a:ea typeface="Calibri"/>
-                <a:cs typeface="Calibri"/>
-                <a:sym typeface="Calibri"/>
-              </a:rPr>
-              <a:t>qualitative change</a:t>
-            </a:r>
-            <a:r>
-              <a:rPr lang="en-US" sz="3600" dirty="0">
-                <a:solidFill>
-                  <a:srgbClr val="FFFF66"/>
-                </a:solidFill>
-                <a:latin typeface="Calibri"/>
-                <a:ea typeface="Calibri"/>
-                <a:cs typeface="Calibri"/>
-                <a:sym typeface="Calibri"/>
-              </a:rPr>
-              <a:t> in how we think about, and work with, data. In this respect, Data Science is an already existing effort to make sense of, and </a:t>
-            </a:r>
-            <a:r>
-              <a:rPr lang="en-US" sz="3600" dirty="0" err="1">
-                <a:solidFill>
-                  <a:srgbClr val="FFFF66"/>
-                </a:solidFill>
-                <a:latin typeface="Calibri"/>
-                <a:ea typeface="Calibri"/>
-                <a:cs typeface="Calibri"/>
-                <a:sym typeface="Calibri"/>
-              </a:rPr>
-              <a:t>synthesise</a:t>
-            </a:r>
-            <a:r>
-              <a:rPr lang="en-US" sz="3600" dirty="0">
-                <a:solidFill>
-                  <a:srgbClr val="FFFF66"/>
-                </a:solidFill>
-                <a:latin typeface="Calibri"/>
-                <a:ea typeface="Calibri"/>
-                <a:cs typeface="Calibri"/>
-                <a:sym typeface="Calibri"/>
-              </a:rPr>
-              <a:t> the most appropriate ways to cope with, this ‘brave new world.’”</a:t>
-            </a:r>
-            <a:endParaRPr sz="3600" dirty="0">
-              <a:solidFill>
-                <a:srgbClr val="FFFF66"/>
-              </a:solidFill>
-              <a:latin typeface="Calibri"/>
-              <a:ea typeface="Calibri"/>
-              <a:cs typeface="Calibri"/>
-              <a:sym typeface="Calibri"/>
-            </a:endParaRPr>
-          </a:p>
-        </p:txBody>
-      </p:sp>
-      <p:sp>
-        <p:nvSpPr>
-          <p:cNvPr id="253" name="Shape 253" descr="http://developer.r-project.org/Logo/Rlogo.svg"/>
-          <p:cNvSpPr/>
-          <p:nvPr/>
-        </p:nvSpPr>
-        <p:spPr>
-          <a:xfrm>
-            <a:off x="155575" y="-144463"/>
-            <a:ext cx="304799" cy="304801"/>
-          </a:xfrm>
-          <a:prstGeom prst="rect">
-            <a:avLst/>
-          </a:prstGeom>
-          <a:noFill/>
-          <a:ln>
-            <a:noFill/>
-          </a:ln>
-        </p:spPr>
-        <p:txBody>
-          <a:bodyPr lIns="91425" tIns="45700" rIns="91425" bIns="45700" anchor="t" anchorCtr="0">
-            <a:noAutofit/>
-          </a:bodyPr>
-          <a:lstStyle/>
-          <a:p>
-            <a:pPr marL="0" marR="0" lvl="0" indent="0" algn="l" rtl="0">
-              <a:spcBef>
-                <a:spcPts val="0"/>
-              </a:spcBef>
-              <a:buNone/>
-            </a:pPr>
-            <a:endParaRPr sz="1800">
-              <a:solidFill>
-                <a:schemeClr val="dk1"/>
-              </a:solidFill>
-              <a:latin typeface="Calibri"/>
-              <a:ea typeface="Calibri"/>
-              <a:cs typeface="Calibri"/>
-              <a:sym typeface="Calibri"/>
-            </a:endParaRPr>
-          </a:p>
-        </p:txBody>
-      </p:sp>
-      <p:sp>
-        <p:nvSpPr>
-          <p:cNvPr id="254" name="Shape 254" descr="http://developer.r-project.org/Logo/Rlogo.svg"/>
-          <p:cNvSpPr/>
-          <p:nvPr/>
-        </p:nvSpPr>
-        <p:spPr>
-          <a:xfrm>
-            <a:off x="307975" y="7937"/>
-            <a:ext cx="304799" cy="304801"/>
-          </a:xfrm>
-          <a:prstGeom prst="rect">
-            <a:avLst/>
-          </a:prstGeom>
-          <a:noFill/>
-          <a:ln>
-            <a:noFill/>
-          </a:ln>
-        </p:spPr>
-        <p:txBody>
-          <a:bodyPr lIns="91425" tIns="45700" rIns="91425" bIns="45700" anchor="t" anchorCtr="0">
-            <a:noAutofit/>
-          </a:bodyPr>
-          <a:lstStyle/>
-          <a:p>
-            <a:pPr marL="0" marR="0" lvl="0" indent="0" algn="l" rtl="0">
-              <a:spcBef>
-                <a:spcPts val="0"/>
-              </a:spcBef>
-              <a:buNone/>
-            </a:pPr>
-            <a:endParaRPr sz="1800">
-              <a:solidFill>
-                <a:schemeClr val="dk1"/>
-              </a:solidFill>
-              <a:latin typeface="Calibri"/>
-              <a:ea typeface="Calibri"/>
-              <a:cs typeface="Calibri"/>
-              <a:sym typeface="Calibri"/>
-            </a:endParaRPr>
-          </a:p>
-        </p:txBody>
-      </p:sp>
-      <p:sp>
-        <p:nvSpPr>
-          <p:cNvPr id="255" name="Shape 255" descr="http://developer.r-project.org/Logo/Rlogo.svg"/>
-          <p:cNvSpPr/>
-          <p:nvPr/>
-        </p:nvSpPr>
-        <p:spPr>
-          <a:xfrm>
-            <a:off x="460375" y="160336"/>
-            <a:ext cx="304799" cy="304801"/>
-          </a:xfrm>
-          <a:prstGeom prst="rect">
-            <a:avLst/>
-          </a:prstGeom>
-          <a:noFill/>
-          <a:ln>
-            <a:noFill/>
-          </a:ln>
-        </p:spPr>
-        <p:txBody>
-          <a:bodyPr lIns="91425" tIns="45700" rIns="91425" bIns="45700" anchor="t" anchorCtr="0">
-            <a:noAutofit/>
-          </a:bodyPr>
-          <a:lstStyle/>
-          <a:p>
-            <a:pPr marL="0" marR="0" lvl="0" indent="0" algn="l" rtl="0">
-              <a:spcBef>
-                <a:spcPts val="0"/>
-              </a:spcBef>
-              <a:buNone/>
-            </a:pPr>
-            <a:endParaRPr sz="1800">
-              <a:solidFill>
-                <a:schemeClr val="dk1"/>
-              </a:solidFill>
-              <a:latin typeface="Calibri"/>
-              <a:ea typeface="Calibri"/>
-              <a:cs typeface="Calibri"/>
-              <a:sym typeface="Calibri"/>
-            </a:endParaRPr>
-          </a:p>
-        </p:txBody>
-      </p:sp>
-      <p:sp>
-        <p:nvSpPr>
-          <p:cNvPr id="256" name="Shape 256" descr="http://developer.r-project.org/Logo/Rlogo.svg"/>
-          <p:cNvSpPr/>
-          <p:nvPr/>
-        </p:nvSpPr>
-        <p:spPr>
-          <a:xfrm>
-            <a:off x="612775" y="312737"/>
-            <a:ext cx="304799" cy="304801"/>
-          </a:xfrm>
-          <a:prstGeom prst="rect">
-            <a:avLst/>
-          </a:prstGeom>
-          <a:noFill/>
-          <a:ln>
-            <a:noFill/>
-          </a:ln>
-        </p:spPr>
-        <p:txBody>
-          <a:bodyPr lIns="91425" tIns="45700" rIns="91425" bIns="45700" anchor="t" anchorCtr="0">
-            <a:noAutofit/>
-          </a:bodyPr>
-          <a:lstStyle/>
-          <a:p>
-            <a:pPr marL="0" marR="0" lvl="0" indent="0" algn="l" rtl="0">
-              <a:spcBef>
-                <a:spcPts val="0"/>
-              </a:spcBef>
-              <a:buNone/>
-            </a:pPr>
-            <a:endParaRPr sz="1800">
-              <a:solidFill>
-                <a:schemeClr val="dk1"/>
-              </a:solidFill>
-              <a:latin typeface="Calibri"/>
-              <a:ea typeface="Calibri"/>
-              <a:cs typeface="Calibri"/>
-              <a:sym typeface="Calibri"/>
-            </a:endParaRPr>
-          </a:p>
-        </p:txBody>
-      </p:sp>
-      <p:sp>
-        <p:nvSpPr>
-          <p:cNvPr id="2" name="AutoShape 6" descr="Image result for r"/>
-          <p:cNvSpPr>
-            <a:spLocks noChangeAspect="1" noChangeArrowheads="1"/>
-          </p:cNvSpPr>
-          <p:nvPr/>
-        </p:nvSpPr>
-        <p:spPr bwMode="auto">
-          <a:xfrm>
-            <a:off x="765175" y="465137"/>
-            <a:ext cx="304800" cy="304801"/>
-          </a:xfrm>
-          <a:prstGeom prst="rect">
-            <a:avLst/>
-          </a:prstGeom>
-          <a:noFill/>
-          <a:extLst>
-            <a:ext uri="{909E8E84-426E-40DD-AFC4-6F175D3DCCD1}">
-              <a14:hiddenFill xmlns:a14="http://schemas.microsoft.com/office/drawing/2010/main">
-                <a:solidFill>
-                  <a:srgbClr val="FFFFFF"/>
-                </a:solidFill>
-              </a14:hiddenFill>
-            </a:ext>
-          </a:extLst>
-        </p:spPr>
-        <p:txBody>
-          <a:bodyPr vert="horz" wrap="square" lIns="91440" tIns="45720" rIns="91440" bIns="45720" numCol="1" anchor="t" anchorCtr="0" compatLnSpc="1">
-            <a:prstTxWarp prst="textNoShape">
-              <a:avLst/>
-            </a:prstTxWarp>
-          </a:bodyPr>
-          <a:lstStyle/>
-          <a:p>
-            <a:endParaRPr lang="en-US"/>
-          </a:p>
-        </p:txBody>
-      </p:sp>
-    </p:spTree>
-    <p:extLst>
-      <p:ext uri="{BB962C8B-B14F-4D97-AF65-F5344CB8AC3E}">
-        <p14:creationId xmlns:p14="http://schemas.microsoft.com/office/powerpoint/2010/main" val="1567498745"/>
-      </p:ext>
-    </p:extLst>
-  </p:cSld>
-  <p:clrMapOvr>
-    <a:masterClrMapping/>
-  </p:clrMapOvr>
-</p:sld>
-</file>
-
-<file path=ppt/slides/slide23.xml><?xml version="1.0" encoding="utf-8"?>
-<p:sld xmlns:a="http://schemas.openxmlformats.org/drawingml/2006/main" xmlns:r="http://schemas.openxmlformats.org/officeDocument/2006/relationships" xmlns:p="http://schemas.openxmlformats.org/presentationml/2006/main">
-  <p:cSld>
-    <p:bg>
-      <p:bgPr>
-        <a:solidFill>
-          <a:schemeClr val="dk1"/>
-        </a:solidFill>
-        <a:effectLst/>
-      </p:bgPr>
-    </p:bg>
-    <p:spTree>
-      <p:nvGrpSpPr>
-        <p:cNvPr id="1" name="Shape 251"/>
-        <p:cNvGrpSpPr/>
-        <p:nvPr/>
-      </p:nvGrpSpPr>
-      <p:grpSpPr>
-        <a:xfrm>
-          <a:off x="0" y="0"/>
-          <a:ext cx="0" cy="0"/>
-          <a:chOff x="0" y="0"/>
-          <a:chExt cx="0" cy="0"/>
-        </a:xfrm>
-      </p:grpSpPr>
-      <p:sp>
-        <p:nvSpPr>
-          <p:cNvPr id="252" name="Shape 252"/>
-          <p:cNvSpPr txBox="1"/>
-          <p:nvPr/>
-        </p:nvSpPr>
-        <p:spPr>
-          <a:xfrm>
-            <a:off x="76200" y="76200"/>
-            <a:ext cx="8794403" cy="1938900"/>
-          </a:xfrm>
-          <a:prstGeom prst="rect">
-            <a:avLst/>
-          </a:prstGeom>
-          <a:noFill/>
-          <a:ln>
-            <a:noFill/>
-          </a:ln>
-        </p:spPr>
-        <p:txBody>
-          <a:bodyPr lIns="91425" tIns="45700" rIns="91425" bIns="45700" anchor="t" anchorCtr="0">
-            <a:noAutofit/>
-          </a:bodyPr>
-          <a:lstStyle/>
-          <a:p>
             <a:pPr marL="0" marR="0" lvl="0" indent="0" algn="l" rtl="0">
               <a:spcBef>
                 <a:spcPts val="0"/>
@@ -20887,153 +20535,6 @@
 </file>
 
 <file path=ppt/slides/slide3.xml><?xml version="1.0" encoding="utf-8"?>
-<p:sld xmlns:a="http://schemas.openxmlformats.org/drawingml/2006/main" xmlns:r="http://schemas.openxmlformats.org/officeDocument/2006/relationships" xmlns:p="http://schemas.openxmlformats.org/presentationml/2006/main">
-  <p:cSld>
-    <p:bg>
-      <p:bgPr>
-        <a:solidFill>
-          <a:schemeClr val="dk1"/>
-        </a:solidFill>
-        <a:effectLst/>
-      </p:bgPr>
-    </p:bg>
-    <p:spTree>
-      <p:nvGrpSpPr>
-        <p:cNvPr id="1" name="Shape 103"/>
-        <p:cNvGrpSpPr/>
-        <p:nvPr/>
-      </p:nvGrpSpPr>
-      <p:grpSpPr>
-        <a:xfrm>
-          <a:off x="0" y="0"/>
-          <a:ext cx="0" cy="0"/>
-          <a:chOff x="0" y="0"/>
-          <a:chExt cx="0" cy="0"/>
-        </a:xfrm>
-      </p:grpSpPr>
-      <p:sp>
-        <p:nvSpPr>
-          <p:cNvPr id="104" name="Shape 104"/>
-          <p:cNvSpPr txBox="1">
-            <a:spLocks noGrp="1"/>
-          </p:cNvSpPr>
-          <p:nvPr>
-            <p:ph type="ctrTitle"/>
-          </p:nvPr>
-        </p:nvSpPr>
-        <p:spPr>
-          <a:xfrm>
-            <a:off x="249000" y="1690111"/>
-            <a:ext cx="8646000" cy="1581600"/>
-          </a:xfrm>
-          <a:prstGeom prst="rect">
-            <a:avLst/>
-          </a:prstGeom>
-          <a:noFill/>
-          <a:ln>
-            <a:noFill/>
-          </a:ln>
-        </p:spPr>
-        <p:txBody>
-          <a:bodyPr lIns="91425" tIns="45700" rIns="91425" bIns="45700" anchor="ctr" anchorCtr="0">
-            <a:noAutofit/>
-          </a:bodyPr>
-          <a:lstStyle/>
-          <a:p>
-            <a:pPr marL="0" marR="0" lvl="0" indent="0" algn="ctr" rtl="0">
-              <a:spcBef>
-                <a:spcPts val="0"/>
-              </a:spcBef>
-              <a:buClr>
-                <a:srgbClr val="FFFF66"/>
-              </a:buClr>
-              <a:buSzPct val="25000"/>
-              <a:buFont typeface="Calibri"/>
-              <a:buNone/>
-            </a:pPr>
-            <a:r>
-              <a:rPr lang="en-US" sz="3959">
-                <a:solidFill>
-                  <a:srgbClr val="FFFF66"/>
-                </a:solidFill>
-              </a:rPr>
-              <a:t>What are the main </a:t>
-            </a:r>
-            <a:r>
-              <a:rPr lang="en-US" sz="3959" b="1" i="1">
-                <a:solidFill>
-                  <a:srgbClr val="FFFF66"/>
-                </a:solidFill>
-              </a:rPr>
-              <a:t>strengths</a:t>
-            </a:r>
-            <a:r>
-              <a:rPr lang="en-US" sz="3959">
-                <a:solidFill>
-                  <a:srgbClr val="FFFF66"/>
-                </a:solidFill>
-              </a:rPr>
-              <a:t> of quantitative research/statistics?</a:t>
-            </a:r>
-          </a:p>
-        </p:txBody>
-      </p:sp>
-      <p:sp>
-        <p:nvSpPr>
-          <p:cNvPr id="105" name="Shape 105"/>
-          <p:cNvSpPr txBox="1"/>
-          <p:nvPr/>
-        </p:nvSpPr>
-        <p:spPr>
-          <a:xfrm>
-            <a:off x="1132742" y="5791201"/>
-            <a:ext cx="2058600" cy="246300"/>
-          </a:xfrm>
-          <a:prstGeom prst="rect">
-            <a:avLst/>
-          </a:prstGeom>
-          <a:noFill/>
-          <a:ln>
-            <a:noFill/>
-          </a:ln>
-        </p:spPr>
-        <p:txBody>
-          <a:bodyPr lIns="91425" tIns="45700" rIns="91425" bIns="45700" anchor="t" anchorCtr="0">
-            <a:noAutofit/>
-          </a:bodyPr>
-          <a:lstStyle/>
-          <a:p>
-            <a:pPr marL="0" marR="0" lvl="0" indent="0" algn="l" rtl="0">
-              <a:spcBef>
-                <a:spcPts val="0"/>
-              </a:spcBef>
-              <a:buSzPct val="25000"/>
-              <a:buNone/>
-            </a:pPr>
-            <a:r>
-              <a:rPr lang="en-US" sz="1000" b="0" i="0" u="none" strike="noStrike" cap="none">
-                <a:solidFill>
-                  <a:schemeClr val="dk1"/>
-                </a:solidFill>
-                <a:latin typeface="Calibri"/>
-                <a:ea typeface="Calibri"/>
-                <a:cs typeface="Calibri"/>
-                <a:sym typeface="Calibri"/>
-              </a:rPr>
-              <a:t>http://blog.forwardmapworks.com/</a:t>
-            </a:r>
-          </a:p>
-        </p:txBody>
-      </p:sp>
-    </p:spTree>
-  </p:cSld>
-  <p:clrMapOvr>
-    <a:masterClrMapping/>
-  </p:clrMapOvr>
-</p:sld>
-</file>
-
-<file path=ppt/slides/slide4.xml><?xml version="1.0" encoding="utf-8"?>
 <p:sld xmlns:a="http://schemas.openxmlformats.org/drawingml/2006/main" xmlns:r="http://schemas.openxmlformats.org/officeDocument/2006/relationships" xmlns:p="http://schemas.openxmlformats.org/presentationml/2006/main">
   <p:cSld>
     <p:bg>
@@ -21199,7 +20700,7 @@
 </p:sld>
 </file>
 
-<file path=ppt/slides/slide5.xml><?xml version="1.0" encoding="utf-8"?>
+<file path=ppt/slides/slide4.xml><?xml version="1.0" encoding="utf-8"?>
 <p:sld xmlns:a="http://schemas.openxmlformats.org/drawingml/2006/main" xmlns:r="http://schemas.openxmlformats.org/officeDocument/2006/relationships" xmlns:p="http://schemas.openxmlformats.org/presentationml/2006/main">
   <p:cSld>
     <p:bg>
@@ -21386,7 +20887,7 @@
 </p:sld>
 </file>
 
-<file path=ppt/slides/slide6.xml><?xml version="1.0" encoding="utf-8"?>
+<file path=ppt/slides/slide5.xml><?xml version="1.0" encoding="utf-8"?>
 <p:sld xmlns:a="http://schemas.openxmlformats.org/drawingml/2006/main" xmlns:r="http://schemas.openxmlformats.org/officeDocument/2006/relationships" xmlns:p="http://schemas.openxmlformats.org/presentationml/2006/main">
   <p:cSld>
     <p:bg>
@@ -21582,7 +21083,7 @@
 </p:sld>
 </file>
 
-<file path=ppt/slides/slide7.xml><?xml version="1.0" encoding="utf-8"?>
+<file path=ppt/slides/slide6.xml><?xml version="1.0" encoding="utf-8"?>
 <p:sld xmlns:a="http://schemas.openxmlformats.org/drawingml/2006/main" xmlns:r="http://schemas.openxmlformats.org/officeDocument/2006/relationships" xmlns:p="http://schemas.openxmlformats.org/presentationml/2006/main">
   <p:cSld>
     <p:bg>
@@ -21799,7 +21300,7 @@
 </p:sld>
 </file>
 
-<file path=ppt/slides/slide8.xml><?xml version="1.0" encoding="utf-8"?>
+<file path=ppt/slides/slide7.xml><?xml version="1.0" encoding="utf-8"?>
 <p:sld xmlns:a="http://schemas.openxmlformats.org/drawingml/2006/main" xmlns:r="http://schemas.openxmlformats.org/officeDocument/2006/relationships" xmlns:p="http://schemas.openxmlformats.org/presentationml/2006/main">
   <p:cSld>
     <p:bg>
@@ -22063,7 +21564,7 @@
 </p:sld>
 </file>
 
-<file path=ppt/slides/slide9.xml><?xml version="1.0" encoding="utf-8"?>
+<file path=ppt/slides/slide8.xml><?xml version="1.0" encoding="utf-8"?>
 <p:sld xmlns:a="http://schemas.openxmlformats.org/drawingml/2006/main" xmlns:r="http://schemas.openxmlformats.org/officeDocument/2006/relationships" xmlns:p="http://schemas.openxmlformats.org/presentationml/2006/main">
   <p:cSld>
     <p:bg>
@@ -22217,6 +21718,189 @@
           </a:p>
         </p:txBody>
       </p:sp>
+    </p:spTree>
+  </p:cSld>
+  <p:clrMapOvr>
+    <a:masterClrMapping/>
+  </p:clrMapOvr>
+</p:sld>
+</file>
+
+<file path=ppt/slides/slide9.xml><?xml version="1.0" encoding="utf-8"?>
+<p:sld xmlns:a="http://schemas.openxmlformats.org/drawingml/2006/main" xmlns:r="http://schemas.openxmlformats.org/officeDocument/2006/relationships" xmlns:p="http://schemas.openxmlformats.org/presentationml/2006/main">
+  <p:cSld>
+    <p:bg>
+      <p:bgPr>
+        <a:solidFill>
+          <a:schemeClr val="dk1"/>
+        </a:solidFill>
+        <a:effectLst/>
+      </p:bgPr>
+    </p:bg>
+    <p:spTree>
+      <p:nvGrpSpPr>
+        <p:cNvPr id="1" name="Shape 160"/>
+        <p:cNvGrpSpPr/>
+        <p:nvPr/>
+      </p:nvGrpSpPr>
+      <p:grpSpPr>
+        <a:xfrm>
+          <a:off x="0" y="0"/>
+          <a:ext cx="0" cy="0"/>
+          <a:chOff x="0" y="0"/>
+          <a:chExt cx="0" cy="0"/>
+        </a:xfrm>
+      </p:grpSpPr>
+      <p:sp>
+        <p:nvSpPr>
+          <p:cNvPr id="161" name="Shape 161"/>
+          <p:cNvSpPr txBox="1"/>
+          <p:nvPr/>
+        </p:nvSpPr>
+        <p:spPr>
+          <a:xfrm>
+            <a:off x="165100" y="101600"/>
+            <a:ext cx="8782050" cy="1569660"/>
+          </a:xfrm>
+          <a:prstGeom prst="rect">
+            <a:avLst/>
+          </a:prstGeom>
+          <a:noFill/>
+          <a:ln>
+            <a:noFill/>
+          </a:ln>
+        </p:spPr>
+        <p:txBody>
+          <a:bodyPr lIns="91425" tIns="45700" rIns="91425" bIns="45700" anchor="t" anchorCtr="0">
+            <a:noAutofit/>
+          </a:bodyPr>
+          <a:lstStyle/>
+          <a:p>
+            <a:pPr marL="0" marR="0" lvl="0" indent="0" algn="l" rtl="0">
+              <a:spcBef>
+                <a:spcPts val="0"/>
+              </a:spcBef>
+              <a:buSzPct val="25000"/>
+              <a:buNone/>
+            </a:pPr>
+            <a:r>
+              <a:rPr lang="en-US" sz="4800" dirty="0">
+                <a:solidFill>
+                  <a:srgbClr val="FFFF66"/>
+                </a:solidFill>
+                <a:latin typeface="Calibri"/>
+                <a:ea typeface="Calibri"/>
+                <a:cs typeface="Calibri"/>
+                <a:sym typeface="Calibri"/>
+              </a:rPr>
+              <a:t>Stats in Geography:</a:t>
+            </a:r>
+          </a:p>
+          <a:p>
+            <a:pPr marL="0" marR="0" lvl="0" indent="0" algn="l" rtl="0">
+              <a:spcBef>
+                <a:spcPts val="0"/>
+              </a:spcBef>
+              <a:buSzPct val="25000"/>
+              <a:buNone/>
+            </a:pPr>
+            <a:r>
+              <a:rPr lang="en-US" sz="4800" dirty="0">
+                <a:solidFill>
+                  <a:srgbClr val="FFFF66"/>
+                </a:solidFill>
+                <a:latin typeface="Calibri"/>
+                <a:ea typeface="Calibri"/>
+                <a:cs typeface="Calibri"/>
+                <a:sym typeface="Calibri"/>
+              </a:rPr>
+              <a:t>Often similar to other disciplines</a:t>
+            </a:r>
+          </a:p>
+        </p:txBody>
+      </p:sp>
+      <p:pic>
+        <p:nvPicPr>
+          <p:cNvPr id="3074" name="Picture 2" descr="Image result for box plot"/>
+          <p:cNvPicPr>
+            <a:picLocks noChangeAspect="1" noChangeArrowheads="1"/>
+          </p:cNvPicPr>
+          <p:nvPr/>
+        </p:nvPicPr>
+        <p:blipFill>
+          <a:blip r:embed="rId3">
+            <a:extLst>
+              <a:ext uri="{28A0092B-C50C-407E-A947-70E740481C1C}">
+                <a14:useLocalDpi xmlns:a14="http://schemas.microsoft.com/office/drawing/2010/main" val="0"/>
+              </a:ext>
+            </a:extLst>
+          </a:blip>
+          <a:srcRect/>
+          <a:stretch>
+            <a:fillRect/>
+          </a:stretch>
+        </p:blipFill>
+        <p:spPr bwMode="auto">
+          <a:xfrm>
+            <a:off x="279400" y="1795330"/>
+            <a:ext cx="4810839" cy="2833820"/>
+          </a:xfrm>
+          <a:prstGeom prst="rect">
+            <a:avLst/>
+          </a:prstGeom>
+          <a:noFill/>
+          <a:extLst>
+            <a:ext uri="{909E8E84-426E-40DD-AFC4-6F175D3DCCD1}">
+              <a14:hiddenFill xmlns:a14="http://schemas.microsoft.com/office/drawing/2010/main">
+                <a:solidFill>
+                  <a:srgbClr val="FFFFFF"/>
+                </a:solidFill>
+              </a14:hiddenFill>
+            </a:ext>
+          </a:extLst>
+        </p:spPr>
+      </p:pic>
+      <p:pic>
+        <p:nvPicPr>
+          <p:cNvPr id="3076" name="Picture 4" descr="Image result for scatterplot trend line"/>
+          <p:cNvPicPr>
+            <a:picLocks noChangeAspect="1" noChangeArrowheads="1"/>
+          </p:cNvPicPr>
+          <p:nvPr/>
+        </p:nvPicPr>
+        <p:blipFill>
+          <a:blip r:embed="rId4">
+            <a:extLst>
+              <a:ext uri="{28A0092B-C50C-407E-A947-70E740481C1C}">
+                <a14:useLocalDpi xmlns:a14="http://schemas.microsoft.com/office/drawing/2010/main" val="0"/>
+              </a:ext>
+            </a:extLst>
+          </a:blip>
+          <a:srcRect/>
+          <a:stretch>
+            <a:fillRect/>
+          </a:stretch>
+        </p:blipFill>
+        <p:spPr bwMode="auto">
+          <a:xfrm>
+            <a:off x="5781674" y="3282090"/>
+            <a:ext cx="2879725" cy="2971146"/>
+          </a:xfrm>
+          <a:prstGeom prst="rect">
+            <a:avLst/>
+          </a:prstGeom>
+          <a:noFill/>
+          <a:extLst>
+            <a:ext uri="{909E8E84-426E-40DD-AFC4-6F175D3DCCD1}">
+              <a14:hiddenFill xmlns:a14="http://schemas.microsoft.com/office/drawing/2010/main">
+                <a:solidFill>
+                  <a:srgbClr val="FFFFFF"/>
+                </a:solidFill>
+              </a14:hiddenFill>
+            </a:ext>
+          </a:extLst>
+        </p:spPr>
+      </p:pic>
     </p:spTree>
   </p:cSld>
   <p:clrMapOvr>
